--- a/06.pptx
+++ b/06.pptx
@@ -5,7 +5,7 @@
     <p:sldMasterId id="2147483649" r:id="rId1"/>
   </p:sldMasterIdLst>
   <p:notesMasterIdLst>
-    <p:notesMasterId r:id="rId18"/>
+    <p:notesMasterId r:id="rId26"/>
   </p:notesMasterIdLst>
   <p:sldIdLst>
     <p:sldId id="311" r:id="rId2"/>
@@ -24,6 +24,14 @@
     <p:sldId id="325" r:id="rId15"/>
     <p:sldId id="326" r:id="rId16"/>
     <p:sldId id="327" r:id="rId17"/>
+    <p:sldId id="328" r:id="rId18"/>
+    <p:sldId id="329" r:id="rId19"/>
+    <p:sldId id="330" r:id="rId20"/>
+    <p:sldId id="331" r:id="rId21"/>
+    <p:sldId id="332" r:id="rId22"/>
+    <p:sldId id="334" r:id="rId23"/>
+    <p:sldId id="333" r:id="rId24"/>
+    <p:sldId id="335" r:id="rId25"/>
   </p:sldIdLst>
   <p:sldSz cx="9144000" cy="6858000" type="screen4x3"/>
   <p:notesSz cx="6858000" cy="9144000"/>
@@ -5529,7 +5537,7 @@
           <a:graphicData uri="http://schemas.openxmlformats.org/presentationml/2006/ole">
             <mc:AlternateContent xmlns:mc="http://schemas.openxmlformats.org/markup-compatibility/2006">
               <mc:Choice xmlns:v="urn:schemas-microsoft-com:vml" Requires="v">
-                <p:oleObj spid="_x0000_s160788" name="CorelDRAW" r:id="rId3" imgW="3393338" imgH="2634996" progId="CorelDRAW.Graphic.11">
+                <p:oleObj spid="_x0000_s160816" name="CorelDRAW" r:id="rId3" imgW="3393338" imgH="2634996" progId="CorelDRAW.Graphic.11">
                   <p:embed/>
                 </p:oleObj>
               </mc:Choice>
@@ -21380,7 +21388,7 @@
           <a:graphicData uri="http://schemas.openxmlformats.org/presentationml/2006/ole">
             <mc:AlternateContent xmlns:mc="http://schemas.openxmlformats.org/markup-compatibility/2006">
               <mc:Choice xmlns:v="urn:schemas-microsoft-com:vml" Requires="v">
-                <p:oleObj spid="_x0000_s161801" name="CorelDRAW" r:id="rId3" imgW="2111350" imgH="2493874" progId="CorelDRAW.Graphic.11">
+                <p:oleObj spid="_x0000_s161829" name="CorelDRAW" r:id="rId3" imgW="2111350" imgH="2493874" progId="CorelDRAW.Graphic.11">
                   <p:embed/>
                 </p:oleObj>
               </mc:Choice>
@@ -22043,20 +22051,12 @@
               <a:t>С</a:t>
             </a:r>
             <a:r>
-              <a:rPr kumimoji="0" lang="ru-RU" altLang="ru-RU" sz="2000" kern="0" smtClean="0">
+              <a:rPr kumimoji="0" lang="ru-RU" altLang="ru-RU" sz="2000" kern="0" dirty="0" smtClean="0">
                 <a:solidFill>
                   <a:srgbClr val="100E0C"/>
                 </a:solidFill>
               </a:rPr>
-              <a:t>овместимость </a:t>
-            </a:r>
-            <a:r>
-              <a:rPr kumimoji="0" lang="ru-RU" altLang="ru-RU" sz="2000" kern="0" dirty="0" smtClean="0">
-                <a:solidFill>
-                  <a:srgbClr val="100E0C"/>
-                </a:solidFill>
-              </a:rPr>
-              <a:t>на уровне форматов пакетов с сетями </a:t>
+              <a:t>овместимость на уровне форматов пакетов с сетями </a:t>
             </a:r>
             <a:r>
               <a:rPr kumimoji="0" lang="ru-RU" altLang="ru-RU" sz="2000" kern="0" dirty="0" err="1" smtClean="0">
@@ -22366,6 +22366,1405 @@
     <p:extLst>
       <p:ext uri="{BB962C8B-B14F-4D97-AF65-F5344CB8AC3E}">
         <p14:creationId xmlns:p14="http://schemas.microsoft.com/office/powerpoint/2010/main" val="3368693281"/>
+      </p:ext>
+    </p:extLst>
+  </p:cSld>
+  <p:clrMapOvr>
+    <a:masterClrMapping/>
+  </p:clrMapOvr>
+  <p:timing>
+    <p:tnLst>
+      <p:par>
+        <p:cTn id="1" dur="indefinite" restart="never" nodeType="tmRoot"/>
+      </p:par>
+    </p:tnLst>
+  </p:timing>
+</p:sld>
+</file>
+
+<file path=ppt/slides/slide17.xml><?xml version="1.0" encoding="utf-8"?>
+<p:sld xmlns:a="http://schemas.openxmlformats.org/drawingml/2006/main" xmlns:r="http://schemas.openxmlformats.org/officeDocument/2006/relationships" xmlns:p="http://schemas.openxmlformats.org/presentationml/2006/main">
+  <p:cSld>
+    <p:spTree>
+      <p:nvGrpSpPr>
+        <p:cNvPr id="1" name=""/>
+        <p:cNvGrpSpPr/>
+        <p:nvPr/>
+      </p:nvGrpSpPr>
+      <p:grpSpPr>
+        <a:xfrm>
+          <a:off x="0" y="0"/>
+          <a:ext cx="0" cy="0"/>
+          <a:chOff x="0" y="0"/>
+          <a:chExt cx="0" cy="0"/>
+        </a:xfrm>
+      </p:grpSpPr>
+      <p:sp>
+        <p:nvSpPr>
+          <p:cNvPr id="19" name="Заголовок 1"/>
+          <p:cNvSpPr txBox="1">
+            <a:spLocks/>
+          </p:cNvSpPr>
+          <p:nvPr/>
+        </p:nvSpPr>
+        <p:spPr>
+          <a:xfrm>
+            <a:off x="0" y="752872"/>
+            <a:ext cx="9144000" cy="947936"/>
+          </a:xfrm>
+          <a:prstGeom prst="rect">
+            <a:avLst/>
+          </a:prstGeom>
+        </p:spPr>
+        <p:txBody>
+          <a:bodyPr/>
+          <a:lstStyle>
+            <a:lvl1pPr algn="l" rtl="0" fontAlgn="base">
+              <a:spcBef>
+                <a:spcPct val="0"/>
+              </a:spcBef>
+              <a:spcAft>
+                <a:spcPct val="0"/>
+              </a:spcAft>
+              <a:defRPr sz="4400">
+                <a:solidFill>
+                  <a:schemeClr val="tx2"/>
+                </a:solidFill>
+                <a:latin typeface="+mj-lt"/>
+                <a:ea typeface="+mj-ea"/>
+                <a:cs typeface="+mj-cs"/>
+              </a:defRPr>
+            </a:lvl1pPr>
+            <a:lvl2pPr algn="l" rtl="0" fontAlgn="base">
+              <a:spcBef>
+                <a:spcPct val="0"/>
+              </a:spcBef>
+              <a:spcAft>
+                <a:spcPct val="0"/>
+              </a:spcAft>
+              <a:defRPr sz="4400">
+                <a:solidFill>
+                  <a:schemeClr val="tx2"/>
+                </a:solidFill>
+                <a:latin typeface="Times New Roman" pitchFamily="18" charset="0"/>
+              </a:defRPr>
+            </a:lvl2pPr>
+            <a:lvl3pPr algn="l" rtl="0" fontAlgn="base">
+              <a:spcBef>
+                <a:spcPct val="0"/>
+              </a:spcBef>
+              <a:spcAft>
+                <a:spcPct val="0"/>
+              </a:spcAft>
+              <a:defRPr sz="4400">
+                <a:solidFill>
+                  <a:schemeClr val="tx2"/>
+                </a:solidFill>
+                <a:latin typeface="Times New Roman" pitchFamily="18" charset="0"/>
+              </a:defRPr>
+            </a:lvl3pPr>
+            <a:lvl4pPr algn="l" rtl="0" fontAlgn="base">
+              <a:spcBef>
+                <a:spcPct val="0"/>
+              </a:spcBef>
+              <a:spcAft>
+                <a:spcPct val="0"/>
+              </a:spcAft>
+              <a:defRPr sz="4400">
+                <a:solidFill>
+                  <a:schemeClr val="tx2"/>
+                </a:solidFill>
+                <a:latin typeface="Times New Roman" pitchFamily="18" charset="0"/>
+              </a:defRPr>
+            </a:lvl4pPr>
+            <a:lvl5pPr algn="l" rtl="0" fontAlgn="base">
+              <a:spcBef>
+                <a:spcPct val="0"/>
+              </a:spcBef>
+              <a:spcAft>
+                <a:spcPct val="0"/>
+              </a:spcAft>
+              <a:defRPr sz="4400">
+                <a:solidFill>
+                  <a:schemeClr val="tx2"/>
+                </a:solidFill>
+                <a:latin typeface="Times New Roman" pitchFamily="18" charset="0"/>
+              </a:defRPr>
+            </a:lvl5pPr>
+            <a:lvl6pPr marL="457200" algn="l" rtl="0" fontAlgn="base">
+              <a:spcBef>
+                <a:spcPct val="0"/>
+              </a:spcBef>
+              <a:spcAft>
+                <a:spcPct val="0"/>
+              </a:spcAft>
+              <a:defRPr sz="4400">
+                <a:solidFill>
+                  <a:schemeClr val="tx2"/>
+                </a:solidFill>
+                <a:latin typeface="Times New Roman" pitchFamily="18" charset="0"/>
+              </a:defRPr>
+            </a:lvl6pPr>
+            <a:lvl7pPr marL="914400" algn="l" rtl="0" fontAlgn="base">
+              <a:spcBef>
+                <a:spcPct val="0"/>
+              </a:spcBef>
+              <a:spcAft>
+                <a:spcPct val="0"/>
+              </a:spcAft>
+              <a:defRPr sz="4400">
+                <a:solidFill>
+                  <a:schemeClr val="tx2"/>
+                </a:solidFill>
+                <a:latin typeface="Times New Roman" pitchFamily="18" charset="0"/>
+              </a:defRPr>
+            </a:lvl7pPr>
+            <a:lvl8pPr marL="1371600" algn="l" rtl="0" fontAlgn="base">
+              <a:spcBef>
+                <a:spcPct val="0"/>
+              </a:spcBef>
+              <a:spcAft>
+                <a:spcPct val="0"/>
+              </a:spcAft>
+              <a:defRPr sz="4400">
+                <a:solidFill>
+                  <a:schemeClr val="tx2"/>
+                </a:solidFill>
+                <a:latin typeface="Times New Roman" pitchFamily="18" charset="0"/>
+              </a:defRPr>
+            </a:lvl8pPr>
+            <a:lvl9pPr marL="1828800" algn="l" rtl="0" fontAlgn="base">
+              <a:spcBef>
+                <a:spcPct val="0"/>
+              </a:spcBef>
+              <a:spcAft>
+                <a:spcPct val="0"/>
+              </a:spcAft>
+              <a:defRPr sz="4400">
+                <a:solidFill>
+                  <a:schemeClr val="tx2"/>
+                </a:solidFill>
+                <a:latin typeface="Times New Roman" pitchFamily="18" charset="0"/>
+              </a:defRPr>
+            </a:lvl9pPr>
+          </a:lstStyle>
+          <a:p>
+            <a:pPr algn="ctr">
+              <a:buClrTx/>
+              <a:buSzTx/>
+              <a:buFontTx/>
+              <a:buNone/>
+            </a:pPr>
+            <a:r>
+              <a:rPr kumimoji="0" lang="en-US" altLang="ru-RU" b="1" kern="0" dirty="0" smtClean="0"/>
+              <a:t>Fast Ethernet</a:t>
+            </a:r>
+          </a:p>
+        </p:txBody>
+      </p:sp>
+      <p:sp>
+        <p:nvSpPr>
+          <p:cNvPr id="2" name="TextBox 1"/>
+          <p:cNvSpPr txBox="1"/>
+          <p:nvPr/>
+        </p:nvSpPr>
+        <p:spPr>
+          <a:xfrm>
+            <a:off x="755576" y="1700808"/>
+            <a:ext cx="4608512" cy="3724096"/>
+          </a:xfrm>
+          <a:prstGeom prst="rect">
+            <a:avLst/>
+          </a:prstGeom>
+          <a:noFill/>
+        </p:spPr>
+        <p:txBody>
+          <a:bodyPr wrap="square" rtlCol="0">
+            <a:spAutoFit/>
+          </a:bodyPr>
+          <a:lstStyle/>
+          <a:p>
+            <a:r>
+              <a:rPr lang="en-US" dirty="0" smtClean="0"/>
+              <a:t>Fast Ethernet Alliance (</a:t>
+            </a:r>
+            <a:r>
+              <a:rPr lang="en-US" strike="sngStrike" dirty="0" smtClean="0"/>
+              <a:t>3COM</a:t>
+            </a:r>
+            <a:r>
+              <a:rPr lang="en-US" dirty="0" smtClean="0"/>
+              <a:t>), 1992</a:t>
+            </a:r>
+          </a:p>
+          <a:p>
+            <a:r>
+              <a:rPr lang="en-US" dirty="0" smtClean="0"/>
+              <a:t>IEEE 802.3u, 1995</a:t>
+            </a:r>
+          </a:p>
+          <a:p>
+            <a:r>
+              <a:rPr lang="en-US" dirty="0" smtClean="0"/>
+              <a:t>100 </a:t>
+            </a:r>
+            <a:r>
+              <a:rPr lang="ru-RU" dirty="0" smtClean="0"/>
+              <a:t>Мбит</a:t>
+            </a:r>
+            <a:r>
+              <a:rPr lang="en-US" dirty="0" smtClean="0"/>
+              <a:t>/c</a:t>
+            </a:r>
+          </a:p>
+          <a:p>
+            <a:pPr lvl="1"/>
+            <a:r>
+              <a:rPr lang="ru-RU" strike="sngStrike" dirty="0" smtClean="0"/>
+              <a:t>Коаксиал</a:t>
+            </a:r>
+          </a:p>
+          <a:p>
+            <a:pPr lvl="1"/>
+            <a:r>
+              <a:rPr lang="ru-RU" dirty="0" smtClean="0"/>
+              <a:t>Витая пара 3, 5 категории</a:t>
+            </a:r>
+          </a:p>
+          <a:p>
+            <a:pPr lvl="1"/>
+            <a:r>
+              <a:rPr lang="ru-RU" dirty="0" smtClean="0"/>
+              <a:t>Оптика</a:t>
+            </a:r>
+            <a:endParaRPr lang="en-US" dirty="0" smtClean="0"/>
+          </a:p>
+          <a:p>
+            <a:r>
+              <a:rPr lang="ru-RU" dirty="0" smtClean="0"/>
+              <a:t>Метод доступа </a:t>
+            </a:r>
+            <a:r>
+              <a:rPr lang="en-US" b="1" dirty="0" smtClean="0"/>
+              <a:t>CSMA/CD</a:t>
+            </a:r>
+          </a:p>
+          <a:p>
+            <a:r>
+              <a:rPr lang="ru-RU" dirty="0" smtClean="0"/>
+              <a:t>Различия только на физическом уровне</a:t>
+            </a:r>
+          </a:p>
+          <a:p>
+            <a:pPr lvl="1"/>
+            <a:r>
+              <a:rPr lang="ru-RU" dirty="0" smtClean="0"/>
+              <a:t>Уровень согласования</a:t>
+            </a:r>
+            <a:endParaRPr lang="en-US" dirty="0" smtClean="0"/>
+          </a:p>
+          <a:p>
+            <a:r>
+              <a:rPr lang="ru-RU" dirty="0" smtClean="0"/>
+              <a:t>Диаметр сети </a:t>
+            </a:r>
+            <a:r>
+              <a:rPr lang="en-US" dirty="0" smtClean="0"/>
+              <a:t>&lt; 200</a:t>
+            </a:r>
+            <a:r>
+              <a:rPr lang="ru-RU" dirty="0" smtClean="0"/>
+              <a:t> м</a:t>
+            </a:r>
+            <a:endParaRPr lang="ru-RU" dirty="0"/>
+          </a:p>
+        </p:txBody>
+      </p:sp>
+    </p:spTree>
+    <p:extLst>
+      <p:ext uri="{BB962C8B-B14F-4D97-AF65-F5344CB8AC3E}">
+        <p14:creationId xmlns:p14="http://schemas.microsoft.com/office/powerpoint/2010/main" val="4157531869"/>
+      </p:ext>
+    </p:extLst>
+  </p:cSld>
+  <p:clrMapOvr>
+    <a:masterClrMapping/>
+  </p:clrMapOvr>
+  <p:timing>
+    <p:tnLst>
+      <p:par>
+        <p:cTn id="1" dur="indefinite" restart="never" nodeType="tmRoot"/>
+      </p:par>
+    </p:tnLst>
+  </p:timing>
+</p:sld>
+</file>
+
+<file path=ppt/slides/slide18.xml><?xml version="1.0" encoding="utf-8"?>
+<p:sld xmlns:a="http://schemas.openxmlformats.org/drawingml/2006/main" xmlns:r="http://schemas.openxmlformats.org/officeDocument/2006/relationships" xmlns:p="http://schemas.openxmlformats.org/presentationml/2006/main">
+  <p:cSld>
+    <p:spTree>
+      <p:nvGrpSpPr>
+        <p:cNvPr id="1" name=""/>
+        <p:cNvGrpSpPr/>
+        <p:nvPr/>
+      </p:nvGrpSpPr>
+      <p:grpSpPr>
+        <a:xfrm>
+          <a:off x="0" y="0"/>
+          <a:ext cx="0" cy="0"/>
+          <a:chOff x="0" y="0"/>
+          <a:chExt cx="0" cy="0"/>
+        </a:xfrm>
+      </p:grpSpPr>
+      <p:sp>
+        <p:nvSpPr>
+          <p:cNvPr id="5" name="Стрелка вниз 4"/>
+          <p:cNvSpPr/>
+          <p:nvPr/>
+        </p:nvSpPr>
+        <p:spPr bwMode="auto">
+          <a:xfrm>
+            <a:off x="7165876" y="3957364"/>
+            <a:ext cx="504056" cy="2808312"/>
+          </a:xfrm>
+          <a:prstGeom prst="downArrow">
+            <a:avLst/>
+          </a:prstGeom>
+          <a:ln>
+            <a:headEnd type="none" w="med" len="med"/>
+            <a:tailEnd type="none" w="med" len="med"/>
+          </a:ln>
+          <a:extLst/>
+        </p:spPr>
+        <p:style>
+          <a:lnRef idx="0">
+            <a:schemeClr val="accent2"/>
+          </a:lnRef>
+          <a:fillRef idx="3">
+            <a:schemeClr val="accent2"/>
+          </a:fillRef>
+          <a:effectRef idx="3">
+            <a:schemeClr val="accent2"/>
+          </a:effectRef>
+          <a:fontRef idx="minor">
+            <a:schemeClr val="lt1"/>
+          </a:fontRef>
+        </p:style>
+        <p:txBody>
+          <a:bodyPr vert="horz" wrap="square" lIns="91440" tIns="45720" rIns="91440" bIns="0" numCol="1" rtlCol="0" anchor="t" anchorCtr="0" compatLnSpc="1">
+            <a:prstTxWarp prst="textNoShape">
+              <a:avLst/>
+            </a:prstTxWarp>
+          </a:bodyPr>
+          <a:lstStyle/>
+          <a:p>
+            <a:pPr marL="457200" marR="0" indent="-457200" algn="l" defTabSz="914400" rtl="0" eaLnBrk="1" fontAlgn="base" latinLnBrk="0" hangingPunct="1">
+              <a:lnSpc>
+                <a:spcPct val="100000"/>
+              </a:lnSpc>
+              <a:spcBef>
+                <a:spcPct val="20000"/>
+              </a:spcBef>
+              <a:spcAft>
+                <a:spcPct val="0"/>
+              </a:spcAft>
+              <a:buClr>
+                <a:srgbClr val="A50021"/>
+              </a:buClr>
+              <a:buSzPct val="75000"/>
+              <a:buFont typeface="Wingdings" pitchFamily="2" charset="2"/>
+              <a:buChar char="n"/>
+              <a:tabLst/>
+            </a:pPr>
+            <a:endParaRPr kumimoji="1" lang="ru-RU" sz="2000" b="0" i="0" u="none" strike="noStrike" cap="none" normalizeH="0" baseline="0" smtClean="0">
+              <a:ln>
+                <a:noFill/>
+              </a:ln>
+              <a:solidFill>
+                <a:schemeClr val="tx1"/>
+              </a:solidFill>
+              <a:effectLst/>
+              <a:latin typeface="Times New Roman" pitchFamily="18" charset="0"/>
+              <a:cs typeface="Times New Roman" pitchFamily="18" charset="0"/>
+            </a:endParaRPr>
+          </a:p>
+        </p:txBody>
+      </p:sp>
+      <p:sp>
+        <p:nvSpPr>
+          <p:cNvPr id="19" name="Заголовок 1"/>
+          <p:cNvSpPr txBox="1">
+            <a:spLocks/>
+          </p:cNvSpPr>
+          <p:nvPr/>
+        </p:nvSpPr>
+        <p:spPr>
+          <a:xfrm>
+            <a:off x="0" y="752872"/>
+            <a:ext cx="9144000" cy="947936"/>
+          </a:xfrm>
+          <a:prstGeom prst="rect">
+            <a:avLst/>
+          </a:prstGeom>
+        </p:spPr>
+        <p:txBody>
+          <a:bodyPr/>
+          <a:lstStyle>
+            <a:lvl1pPr algn="l" rtl="0" fontAlgn="base">
+              <a:spcBef>
+                <a:spcPct val="0"/>
+              </a:spcBef>
+              <a:spcAft>
+                <a:spcPct val="0"/>
+              </a:spcAft>
+              <a:defRPr sz="4400">
+                <a:solidFill>
+                  <a:schemeClr val="tx2"/>
+                </a:solidFill>
+                <a:latin typeface="+mj-lt"/>
+                <a:ea typeface="+mj-ea"/>
+                <a:cs typeface="+mj-cs"/>
+              </a:defRPr>
+            </a:lvl1pPr>
+            <a:lvl2pPr algn="l" rtl="0" fontAlgn="base">
+              <a:spcBef>
+                <a:spcPct val="0"/>
+              </a:spcBef>
+              <a:spcAft>
+                <a:spcPct val="0"/>
+              </a:spcAft>
+              <a:defRPr sz="4400">
+                <a:solidFill>
+                  <a:schemeClr val="tx2"/>
+                </a:solidFill>
+                <a:latin typeface="Times New Roman" pitchFamily="18" charset="0"/>
+              </a:defRPr>
+            </a:lvl2pPr>
+            <a:lvl3pPr algn="l" rtl="0" fontAlgn="base">
+              <a:spcBef>
+                <a:spcPct val="0"/>
+              </a:spcBef>
+              <a:spcAft>
+                <a:spcPct val="0"/>
+              </a:spcAft>
+              <a:defRPr sz="4400">
+                <a:solidFill>
+                  <a:schemeClr val="tx2"/>
+                </a:solidFill>
+                <a:latin typeface="Times New Roman" pitchFamily="18" charset="0"/>
+              </a:defRPr>
+            </a:lvl3pPr>
+            <a:lvl4pPr algn="l" rtl="0" fontAlgn="base">
+              <a:spcBef>
+                <a:spcPct val="0"/>
+              </a:spcBef>
+              <a:spcAft>
+                <a:spcPct val="0"/>
+              </a:spcAft>
+              <a:defRPr sz="4400">
+                <a:solidFill>
+                  <a:schemeClr val="tx2"/>
+                </a:solidFill>
+                <a:latin typeface="Times New Roman" pitchFamily="18" charset="0"/>
+              </a:defRPr>
+            </a:lvl4pPr>
+            <a:lvl5pPr algn="l" rtl="0" fontAlgn="base">
+              <a:spcBef>
+                <a:spcPct val="0"/>
+              </a:spcBef>
+              <a:spcAft>
+                <a:spcPct val="0"/>
+              </a:spcAft>
+              <a:defRPr sz="4400">
+                <a:solidFill>
+                  <a:schemeClr val="tx2"/>
+                </a:solidFill>
+                <a:latin typeface="Times New Roman" pitchFamily="18" charset="0"/>
+              </a:defRPr>
+            </a:lvl5pPr>
+            <a:lvl6pPr marL="457200" algn="l" rtl="0" fontAlgn="base">
+              <a:spcBef>
+                <a:spcPct val="0"/>
+              </a:spcBef>
+              <a:spcAft>
+                <a:spcPct val="0"/>
+              </a:spcAft>
+              <a:defRPr sz="4400">
+                <a:solidFill>
+                  <a:schemeClr val="tx2"/>
+                </a:solidFill>
+                <a:latin typeface="Times New Roman" pitchFamily="18" charset="0"/>
+              </a:defRPr>
+            </a:lvl6pPr>
+            <a:lvl7pPr marL="914400" algn="l" rtl="0" fontAlgn="base">
+              <a:spcBef>
+                <a:spcPct val="0"/>
+              </a:spcBef>
+              <a:spcAft>
+                <a:spcPct val="0"/>
+              </a:spcAft>
+              <a:defRPr sz="4400">
+                <a:solidFill>
+                  <a:schemeClr val="tx2"/>
+                </a:solidFill>
+                <a:latin typeface="Times New Roman" pitchFamily="18" charset="0"/>
+              </a:defRPr>
+            </a:lvl7pPr>
+            <a:lvl8pPr marL="1371600" algn="l" rtl="0" fontAlgn="base">
+              <a:spcBef>
+                <a:spcPct val="0"/>
+              </a:spcBef>
+              <a:spcAft>
+                <a:spcPct val="0"/>
+              </a:spcAft>
+              <a:defRPr sz="4400">
+                <a:solidFill>
+                  <a:schemeClr val="tx2"/>
+                </a:solidFill>
+                <a:latin typeface="Times New Roman" pitchFamily="18" charset="0"/>
+              </a:defRPr>
+            </a:lvl8pPr>
+            <a:lvl9pPr marL="1828800" algn="l" rtl="0" fontAlgn="base">
+              <a:spcBef>
+                <a:spcPct val="0"/>
+              </a:spcBef>
+              <a:spcAft>
+                <a:spcPct val="0"/>
+              </a:spcAft>
+              <a:defRPr sz="4400">
+                <a:solidFill>
+                  <a:schemeClr val="tx2"/>
+                </a:solidFill>
+                <a:latin typeface="Times New Roman" pitchFamily="18" charset="0"/>
+              </a:defRPr>
+            </a:lvl9pPr>
+          </a:lstStyle>
+          <a:p>
+            <a:pPr algn="ctr">
+              <a:buClrTx/>
+              <a:buSzTx/>
+              <a:buFontTx/>
+              <a:buNone/>
+            </a:pPr>
+            <a:r>
+              <a:rPr kumimoji="0" lang="en-US" altLang="ru-RU" b="1" kern="0" dirty="0" smtClean="0"/>
+              <a:t>Ethernet vs </a:t>
+            </a:r>
+            <a:r>
+              <a:rPr kumimoji="0" lang="en-US" altLang="ru-RU" b="1" kern="0" dirty="0" smtClean="0"/>
+              <a:t>Fast Ethernet</a:t>
+            </a:r>
+          </a:p>
+        </p:txBody>
+      </p:sp>
+      <p:graphicFrame>
+        <p:nvGraphicFramePr>
+          <p:cNvPr id="3" name="Объект 2"/>
+          <p:cNvGraphicFramePr>
+            <a:graphicFrameLocks noChangeAspect="1"/>
+          </p:cNvGraphicFramePr>
+          <p:nvPr>
+            <p:extLst>
+              <p:ext uri="{D42A27DB-BD31-4B8C-83A1-F6EECF244321}">
+                <p14:modId xmlns:p14="http://schemas.microsoft.com/office/powerpoint/2010/main" val="116887918"/>
+              </p:ext>
+            </p:extLst>
+          </p:nvPr>
+        </p:nvGraphicFramePr>
+        <p:xfrm>
+          <a:off x="1854585" y="1451397"/>
+          <a:ext cx="5328592" cy="5143201"/>
+        </p:xfrm>
+        <a:graphic>
+          <a:graphicData uri="http://schemas.openxmlformats.org/presentationml/2006/ole">
+            <mc:AlternateContent xmlns:mc="http://schemas.openxmlformats.org/markup-compatibility/2006">
+              <mc:Choice xmlns:v="urn:schemas-microsoft-com:vml" Requires="v">
+                <p:oleObj spid="_x0000_s162842" name="CorelDRAW" r:id="rId3" imgW="3125419" imgH="3018130" progId="CorelDRAW.Graphic.11">
+                  <p:embed/>
+                </p:oleObj>
+              </mc:Choice>
+              <mc:Fallback>
+                <p:oleObj name="CorelDRAW" r:id="rId3" imgW="3125419" imgH="3018130" progId="CorelDRAW.Graphic.11">
+                  <p:embed/>
+                  <p:pic>
+                    <p:nvPicPr>
+                      <p:cNvPr id="0" name="Object 4"/>
+                      <p:cNvPicPr>
+                        <a:picLocks noChangeAspect="1" noChangeArrowheads="1"/>
+                      </p:cNvPicPr>
+                      <p:nvPr/>
+                    </p:nvPicPr>
+                    <p:blipFill>
+                      <a:blip r:embed="rId4">
+                        <a:extLst>
+                          <a:ext uri="{28A0092B-C50C-407E-A947-70E740481C1C}">
+                            <a14:useLocalDpi xmlns:a14="http://schemas.microsoft.com/office/drawing/2010/main" val="0"/>
+                          </a:ext>
+                        </a:extLst>
+                      </a:blip>
+                      <a:srcRect/>
+                      <a:stretch>
+                        <a:fillRect/>
+                      </a:stretch>
+                    </p:blipFill>
+                    <p:spPr bwMode="auto">
+                      <a:xfrm>
+                        <a:off x="1854585" y="1451397"/>
+                        <a:ext cx="5328592" cy="5143201"/>
+                      </a:xfrm>
+                      <a:prstGeom prst="rect">
+                        <a:avLst/>
+                      </a:prstGeom>
+                      <a:noFill/>
+                      <a:ln>
+                        <a:noFill/>
+                      </a:ln>
+                      <a:effectLst/>
+                    </p:spPr>
+                  </p:pic>
+                </p:oleObj>
+              </mc:Fallback>
+            </mc:AlternateContent>
+          </a:graphicData>
+        </a:graphic>
+      </p:graphicFrame>
+      <p:sp>
+        <p:nvSpPr>
+          <p:cNvPr id="4" name="TextBox 3"/>
+          <p:cNvSpPr txBox="1"/>
+          <p:nvPr/>
+        </p:nvSpPr>
+        <p:spPr>
+          <a:xfrm>
+            <a:off x="7255185" y="4965476"/>
+            <a:ext cx="1862733" cy="1341906"/>
+          </a:xfrm>
+          <a:prstGeom prst="rect">
+            <a:avLst/>
+          </a:prstGeom>
+          <a:noFill/>
+        </p:spPr>
+        <p:txBody>
+          <a:bodyPr wrap="square" rtlCol="0">
+            <a:spAutoFit/>
+          </a:bodyPr>
+          <a:lstStyle/>
+          <a:p>
+            <a:r>
+              <a:rPr lang="en-US" sz="1400" dirty="0" smtClean="0">
+                <a:solidFill>
+                  <a:srgbClr val="100E0C"/>
+                </a:solidFill>
+              </a:rPr>
+              <a:t>10Base-T</a:t>
+            </a:r>
+          </a:p>
+          <a:p>
+            <a:r>
+              <a:rPr lang="en-US" sz="1400" dirty="0" smtClean="0">
+                <a:solidFill>
+                  <a:srgbClr val="100E0C"/>
+                </a:solidFill>
+              </a:rPr>
+              <a:t>10BaseT-Duplex</a:t>
+            </a:r>
+          </a:p>
+          <a:p>
+            <a:r>
+              <a:rPr lang="en-US" sz="1400" dirty="0" smtClean="0">
+                <a:solidFill>
+                  <a:srgbClr val="100E0C"/>
+                </a:solidFill>
+              </a:rPr>
+              <a:t>100Base-TX</a:t>
+            </a:r>
+          </a:p>
+          <a:p>
+            <a:r>
+              <a:rPr lang="en-US" sz="1400" dirty="0" smtClean="0">
+                <a:solidFill>
+                  <a:srgbClr val="100E0C"/>
+                </a:solidFill>
+              </a:rPr>
+              <a:t>100Base-T4</a:t>
+            </a:r>
+          </a:p>
+          <a:p>
+            <a:r>
+              <a:rPr lang="en-US" sz="1400" dirty="0" smtClean="0">
+                <a:solidFill>
+                  <a:srgbClr val="100E0C"/>
+                </a:solidFill>
+              </a:rPr>
+              <a:t>100Base-TX Duplex</a:t>
+            </a:r>
+            <a:endParaRPr lang="ru-RU" sz="1400" dirty="0">
+              <a:solidFill>
+                <a:srgbClr val="100E0C"/>
+              </a:solidFill>
+            </a:endParaRPr>
+          </a:p>
+        </p:txBody>
+      </p:sp>
+    </p:spTree>
+    <p:extLst>
+      <p:ext uri="{BB962C8B-B14F-4D97-AF65-F5344CB8AC3E}">
+        <p14:creationId xmlns:p14="http://schemas.microsoft.com/office/powerpoint/2010/main" val="2858034341"/>
+      </p:ext>
+    </p:extLst>
+  </p:cSld>
+  <p:clrMapOvr>
+    <a:masterClrMapping/>
+  </p:clrMapOvr>
+  <p:timing>
+    <p:tnLst>
+      <p:par>
+        <p:cTn id="1" dur="indefinite" restart="never" nodeType="tmRoot"/>
+      </p:par>
+    </p:tnLst>
+  </p:timing>
+</p:sld>
+</file>
+
+<file path=ppt/slides/slide19.xml><?xml version="1.0" encoding="utf-8"?>
+<p:sld xmlns:a="http://schemas.openxmlformats.org/drawingml/2006/main" xmlns:r="http://schemas.openxmlformats.org/officeDocument/2006/relationships" xmlns:p="http://schemas.openxmlformats.org/presentationml/2006/main">
+  <p:cSld>
+    <p:spTree>
+      <p:nvGrpSpPr>
+        <p:cNvPr id="1" name=""/>
+        <p:cNvGrpSpPr/>
+        <p:nvPr/>
+      </p:nvGrpSpPr>
+      <p:grpSpPr>
+        <a:xfrm>
+          <a:off x="0" y="0"/>
+          <a:ext cx="0" cy="0"/>
+          <a:chOff x="0" y="0"/>
+          <a:chExt cx="0" cy="0"/>
+        </a:xfrm>
+      </p:grpSpPr>
+      <p:sp>
+        <p:nvSpPr>
+          <p:cNvPr id="19" name="Заголовок 1"/>
+          <p:cNvSpPr txBox="1">
+            <a:spLocks/>
+          </p:cNvSpPr>
+          <p:nvPr/>
+        </p:nvSpPr>
+        <p:spPr>
+          <a:xfrm>
+            <a:off x="0" y="752872"/>
+            <a:ext cx="9144000" cy="947936"/>
+          </a:xfrm>
+          <a:prstGeom prst="rect">
+            <a:avLst/>
+          </a:prstGeom>
+        </p:spPr>
+        <p:txBody>
+          <a:bodyPr/>
+          <a:lstStyle>
+            <a:lvl1pPr algn="l" rtl="0" fontAlgn="base">
+              <a:spcBef>
+                <a:spcPct val="0"/>
+              </a:spcBef>
+              <a:spcAft>
+                <a:spcPct val="0"/>
+              </a:spcAft>
+              <a:defRPr sz="4400">
+                <a:solidFill>
+                  <a:schemeClr val="tx2"/>
+                </a:solidFill>
+                <a:latin typeface="+mj-lt"/>
+                <a:ea typeface="+mj-ea"/>
+                <a:cs typeface="+mj-cs"/>
+              </a:defRPr>
+            </a:lvl1pPr>
+            <a:lvl2pPr algn="l" rtl="0" fontAlgn="base">
+              <a:spcBef>
+                <a:spcPct val="0"/>
+              </a:spcBef>
+              <a:spcAft>
+                <a:spcPct val="0"/>
+              </a:spcAft>
+              <a:defRPr sz="4400">
+                <a:solidFill>
+                  <a:schemeClr val="tx2"/>
+                </a:solidFill>
+                <a:latin typeface="Times New Roman" pitchFamily="18" charset="0"/>
+              </a:defRPr>
+            </a:lvl2pPr>
+            <a:lvl3pPr algn="l" rtl="0" fontAlgn="base">
+              <a:spcBef>
+                <a:spcPct val="0"/>
+              </a:spcBef>
+              <a:spcAft>
+                <a:spcPct val="0"/>
+              </a:spcAft>
+              <a:defRPr sz="4400">
+                <a:solidFill>
+                  <a:schemeClr val="tx2"/>
+                </a:solidFill>
+                <a:latin typeface="Times New Roman" pitchFamily="18" charset="0"/>
+              </a:defRPr>
+            </a:lvl3pPr>
+            <a:lvl4pPr algn="l" rtl="0" fontAlgn="base">
+              <a:spcBef>
+                <a:spcPct val="0"/>
+              </a:spcBef>
+              <a:spcAft>
+                <a:spcPct val="0"/>
+              </a:spcAft>
+              <a:defRPr sz="4400">
+                <a:solidFill>
+                  <a:schemeClr val="tx2"/>
+                </a:solidFill>
+                <a:latin typeface="Times New Roman" pitchFamily="18" charset="0"/>
+              </a:defRPr>
+            </a:lvl4pPr>
+            <a:lvl5pPr algn="l" rtl="0" fontAlgn="base">
+              <a:spcBef>
+                <a:spcPct val="0"/>
+              </a:spcBef>
+              <a:spcAft>
+                <a:spcPct val="0"/>
+              </a:spcAft>
+              <a:defRPr sz="4400">
+                <a:solidFill>
+                  <a:schemeClr val="tx2"/>
+                </a:solidFill>
+                <a:latin typeface="Times New Roman" pitchFamily="18" charset="0"/>
+              </a:defRPr>
+            </a:lvl5pPr>
+            <a:lvl6pPr marL="457200" algn="l" rtl="0" fontAlgn="base">
+              <a:spcBef>
+                <a:spcPct val="0"/>
+              </a:spcBef>
+              <a:spcAft>
+                <a:spcPct val="0"/>
+              </a:spcAft>
+              <a:defRPr sz="4400">
+                <a:solidFill>
+                  <a:schemeClr val="tx2"/>
+                </a:solidFill>
+                <a:latin typeface="Times New Roman" pitchFamily="18" charset="0"/>
+              </a:defRPr>
+            </a:lvl6pPr>
+            <a:lvl7pPr marL="914400" algn="l" rtl="0" fontAlgn="base">
+              <a:spcBef>
+                <a:spcPct val="0"/>
+              </a:spcBef>
+              <a:spcAft>
+                <a:spcPct val="0"/>
+              </a:spcAft>
+              <a:defRPr sz="4400">
+                <a:solidFill>
+                  <a:schemeClr val="tx2"/>
+                </a:solidFill>
+                <a:latin typeface="Times New Roman" pitchFamily="18" charset="0"/>
+              </a:defRPr>
+            </a:lvl7pPr>
+            <a:lvl8pPr marL="1371600" algn="l" rtl="0" fontAlgn="base">
+              <a:spcBef>
+                <a:spcPct val="0"/>
+              </a:spcBef>
+              <a:spcAft>
+                <a:spcPct val="0"/>
+              </a:spcAft>
+              <a:defRPr sz="4400">
+                <a:solidFill>
+                  <a:schemeClr val="tx2"/>
+                </a:solidFill>
+                <a:latin typeface="Times New Roman" pitchFamily="18" charset="0"/>
+              </a:defRPr>
+            </a:lvl8pPr>
+            <a:lvl9pPr marL="1828800" algn="l" rtl="0" fontAlgn="base">
+              <a:spcBef>
+                <a:spcPct val="0"/>
+              </a:spcBef>
+              <a:spcAft>
+                <a:spcPct val="0"/>
+              </a:spcAft>
+              <a:defRPr sz="4400">
+                <a:solidFill>
+                  <a:schemeClr val="tx2"/>
+                </a:solidFill>
+                <a:latin typeface="Times New Roman" pitchFamily="18" charset="0"/>
+              </a:defRPr>
+            </a:lvl9pPr>
+          </a:lstStyle>
+          <a:p>
+            <a:pPr algn="ctr">
+              <a:buClrTx/>
+              <a:buSzTx/>
+              <a:buFontTx/>
+              <a:buNone/>
+            </a:pPr>
+            <a:r>
+              <a:rPr kumimoji="0" lang="en-US" altLang="ru-RU" b="1" kern="0" dirty="0" smtClean="0"/>
+              <a:t>Ethernet vs </a:t>
+            </a:r>
+            <a:r>
+              <a:rPr kumimoji="0" lang="en-US" altLang="ru-RU" b="1" kern="0" dirty="0" smtClean="0"/>
+              <a:t>Fast Ethernet</a:t>
+            </a:r>
+          </a:p>
+        </p:txBody>
+      </p:sp>
+      <p:sp>
+        <p:nvSpPr>
+          <p:cNvPr id="6" name="Прямоугольник 5"/>
+          <p:cNvSpPr/>
+          <p:nvPr/>
+        </p:nvSpPr>
+        <p:spPr>
+          <a:xfrm>
+            <a:off x="539552" y="1526034"/>
+            <a:ext cx="8316416" cy="2246769"/>
+          </a:xfrm>
+          <a:prstGeom prst="rect">
+            <a:avLst/>
+          </a:prstGeom>
+        </p:spPr>
+        <p:txBody>
+          <a:bodyPr wrap="square">
+            <a:spAutoFit/>
+          </a:bodyPr>
+          <a:lstStyle/>
+          <a:p>
+            <a:pPr marL="285750" indent="-285750" algn="just">
+              <a:spcBef>
+                <a:spcPct val="50000"/>
+              </a:spcBef>
+              <a:buClr>
+                <a:schemeClr val="tx2"/>
+              </a:buClr>
+            </a:pPr>
+            <a:r>
+              <a:rPr lang="ru-RU" altLang="ru-RU" sz="1400" dirty="0">
+                <a:solidFill>
+                  <a:srgbClr val="100E0C"/>
+                </a:solidFill>
+              </a:rPr>
+              <a:t>Форматы кадров технологии </a:t>
+            </a:r>
+            <a:r>
+              <a:rPr lang="ru-RU" altLang="ru-RU" sz="1400" dirty="0" err="1">
+                <a:solidFill>
+                  <a:srgbClr val="100E0C"/>
+                </a:solidFill>
+              </a:rPr>
+              <a:t>Fast</a:t>
+            </a:r>
+            <a:r>
+              <a:rPr lang="ru-RU" altLang="ru-RU" sz="1400" dirty="0">
+                <a:solidFill>
+                  <a:srgbClr val="100E0C"/>
+                </a:solidFill>
+              </a:rPr>
+              <a:t> </a:t>
+            </a:r>
+            <a:r>
+              <a:rPr lang="ru-RU" altLang="ru-RU" sz="1400" dirty="0" err="1">
+                <a:solidFill>
+                  <a:srgbClr val="100E0C"/>
+                </a:solidFill>
+              </a:rPr>
+              <a:t>Ethernet</a:t>
+            </a:r>
+            <a:r>
+              <a:rPr lang="ru-RU" altLang="ru-RU" sz="1400" dirty="0">
+                <a:solidFill>
+                  <a:srgbClr val="100E0C"/>
+                </a:solidFill>
+              </a:rPr>
+              <a:t> не отличаются от форматов кадров технологий 10-Мегабитного </a:t>
+            </a:r>
+            <a:r>
+              <a:rPr lang="ru-RU" altLang="ru-RU" sz="1400" dirty="0" err="1">
+                <a:solidFill>
+                  <a:srgbClr val="100E0C"/>
+                </a:solidFill>
+              </a:rPr>
+              <a:t>Ethernet'a</a:t>
+            </a:r>
+            <a:r>
+              <a:rPr lang="ru-RU" altLang="ru-RU" sz="1400" dirty="0">
+                <a:solidFill>
+                  <a:srgbClr val="100E0C"/>
+                </a:solidFill>
+              </a:rPr>
+              <a:t>.</a:t>
+            </a:r>
+          </a:p>
+          <a:p>
+            <a:pPr marL="285750" indent="-285750" algn="just">
+              <a:spcBef>
+                <a:spcPct val="50000"/>
+              </a:spcBef>
+              <a:buClr>
+                <a:schemeClr val="tx2"/>
+              </a:buClr>
+            </a:pPr>
+            <a:r>
+              <a:rPr lang="ru-RU" altLang="ru-RU" sz="1400" dirty="0" err="1">
+                <a:solidFill>
+                  <a:srgbClr val="100E0C"/>
+                </a:solidFill>
+              </a:rPr>
+              <a:t>Межкадровый</a:t>
+            </a:r>
+            <a:r>
+              <a:rPr lang="ru-RU" altLang="ru-RU" sz="1400" dirty="0">
+                <a:solidFill>
+                  <a:srgbClr val="100E0C"/>
+                </a:solidFill>
+              </a:rPr>
+              <a:t> интервал </a:t>
+            </a:r>
+            <a:r>
+              <a:rPr lang="en-US" altLang="ru-RU" sz="1400" dirty="0">
+                <a:solidFill>
+                  <a:srgbClr val="100E0C"/>
+                </a:solidFill>
+              </a:rPr>
+              <a:t>IPG </a:t>
+            </a:r>
+            <a:r>
+              <a:rPr lang="ru-RU" altLang="ru-RU" sz="1400" dirty="0">
+                <a:solidFill>
+                  <a:srgbClr val="100E0C"/>
+                </a:solidFill>
+              </a:rPr>
+              <a:t>равен 0,96 </a:t>
+            </a:r>
+            <a:r>
+              <a:rPr lang="ru-RU" altLang="ru-RU" sz="1400" dirty="0" err="1">
+                <a:solidFill>
+                  <a:srgbClr val="100E0C"/>
+                </a:solidFill>
+              </a:rPr>
+              <a:t>мкс</a:t>
+            </a:r>
+            <a:r>
+              <a:rPr lang="ru-RU" altLang="ru-RU" sz="1400" dirty="0">
+                <a:solidFill>
+                  <a:srgbClr val="100E0C"/>
+                </a:solidFill>
+              </a:rPr>
+              <a:t>, а битовый интервал равен 10 </a:t>
+            </a:r>
+            <a:r>
+              <a:rPr lang="ru-RU" altLang="ru-RU" sz="1400" dirty="0" err="1">
+                <a:solidFill>
+                  <a:srgbClr val="100E0C"/>
+                </a:solidFill>
+              </a:rPr>
+              <a:t>нс</a:t>
+            </a:r>
+            <a:r>
+              <a:rPr lang="ru-RU" altLang="ru-RU" sz="1400" dirty="0">
+                <a:solidFill>
+                  <a:srgbClr val="100E0C"/>
+                </a:solidFill>
+              </a:rPr>
+              <a:t>.  </a:t>
+            </a:r>
+            <a:endParaRPr lang="en-US" altLang="ru-RU" sz="1400" dirty="0">
+              <a:solidFill>
+                <a:srgbClr val="100E0C"/>
+              </a:solidFill>
+            </a:endParaRPr>
+          </a:p>
+          <a:p>
+            <a:pPr marL="285750" indent="-285750" algn="just">
+              <a:spcBef>
+                <a:spcPct val="50000"/>
+              </a:spcBef>
+              <a:buClr>
+                <a:schemeClr val="tx2"/>
+              </a:buClr>
+            </a:pPr>
+            <a:r>
+              <a:rPr lang="ru-RU" altLang="ru-RU" sz="1400" dirty="0">
+                <a:solidFill>
+                  <a:srgbClr val="100E0C"/>
+                </a:solidFill>
+              </a:rPr>
+              <a:t>Все временные параметры алгоритма доступа (интервал отсрочки, время передачи кадра минимальной длины и т.п.), измеренные в битовых интервалах, не изменились</a:t>
+            </a:r>
+            <a:endParaRPr lang="en-US" altLang="ru-RU" sz="1400" dirty="0">
+              <a:solidFill>
+                <a:srgbClr val="100E0C"/>
+              </a:solidFill>
+            </a:endParaRPr>
+          </a:p>
+          <a:p>
+            <a:pPr marL="285750" indent="-285750" algn="just">
+              <a:spcBef>
+                <a:spcPct val="50000"/>
+              </a:spcBef>
+              <a:buClr>
+                <a:schemeClr val="tx2"/>
+              </a:buClr>
+            </a:pPr>
+            <a:r>
+              <a:rPr lang="ru-RU" altLang="ru-RU" sz="1400" dirty="0">
+                <a:solidFill>
+                  <a:srgbClr val="100E0C"/>
+                </a:solidFill>
+              </a:rPr>
+              <a:t>Признаком свободного состояния среды является передача по ней символа </a:t>
+            </a:r>
+            <a:r>
+              <a:rPr lang="en-US" altLang="ru-RU" sz="1400" dirty="0">
+                <a:solidFill>
+                  <a:srgbClr val="100E0C"/>
+                </a:solidFill>
+              </a:rPr>
+              <a:t>Idle</a:t>
+            </a:r>
+            <a:r>
+              <a:rPr lang="ru-RU" altLang="ru-RU" sz="1400" dirty="0">
+                <a:solidFill>
+                  <a:srgbClr val="100E0C"/>
+                </a:solidFill>
+              </a:rPr>
+              <a:t> </a:t>
+            </a:r>
+            <a:r>
+              <a:rPr lang="en-US" altLang="ru-RU" sz="1400" dirty="0" smtClean="0">
+                <a:solidFill>
+                  <a:srgbClr val="100E0C"/>
+                </a:solidFill>
+              </a:rPr>
+              <a:t>(11111) </a:t>
+            </a:r>
+            <a:r>
+              <a:rPr lang="ru-RU" altLang="ru-RU" sz="1400" dirty="0" smtClean="0">
+                <a:solidFill>
+                  <a:srgbClr val="100E0C"/>
+                </a:solidFill>
+              </a:rPr>
+              <a:t>избыточного </a:t>
+            </a:r>
+            <a:r>
+              <a:rPr lang="ru-RU" altLang="ru-RU" sz="1400" dirty="0">
+                <a:solidFill>
+                  <a:srgbClr val="100E0C"/>
+                </a:solidFill>
+              </a:rPr>
+              <a:t>кода </a:t>
+            </a:r>
+            <a:r>
+              <a:rPr lang="ru-RU" altLang="ru-RU" sz="1400" dirty="0" smtClean="0">
+                <a:solidFill>
+                  <a:srgbClr val="100E0C"/>
+                </a:solidFill>
+              </a:rPr>
+              <a:t>4</a:t>
+            </a:r>
+            <a:r>
+              <a:rPr lang="en-US" altLang="ru-RU" sz="1400" dirty="0" smtClean="0">
+                <a:solidFill>
+                  <a:srgbClr val="100E0C"/>
+                </a:solidFill>
+              </a:rPr>
+              <a:t>B5B </a:t>
+            </a:r>
+            <a:r>
+              <a:rPr lang="ru-RU" altLang="ru-RU" sz="1400" dirty="0" smtClean="0">
+                <a:solidFill>
+                  <a:srgbClr val="100E0C"/>
+                </a:solidFill>
+              </a:rPr>
+              <a:t>(а </a:t>
+            </a:r>
+            <a:r>
+              <a:rPr lang="ru-RU" altLang="ru-RU" sz="1400" dirty="0">
+                <a:solidFill>
+                  <a:srgbClr val="100E0C"/>
+                </a:solidFill>
+              </a:rPr>
+              <a:t>не отсутствие сигналов, как в стандартах </a:t>
+            </a:r>
+            <a:r>
+              <a:rPr lang="ru-RU" altLang="ru-RU" sz="1400" dirty="0" err="1">
+                <a:solidFill>
+                  <a:srgbClr val="100E0C"/>
+                </a:solidFill>
+              </a:rPr>
+              <a:t>Ethernet</a:t>
+            </a:r>
+            <a:r>
+              <a:rPr lang="ru-RU" altLang="ru-RU" sz="1400" dirty="0">
+                <a:solidFill>
+                  <a:srgbClr val="100E0C"/>
+                </a:solidFill>
+              </a:rPr>
+              <a:t> 10 Мбит/с).  </a:t>
+            </a:r>
+          </a:p>
+          <a:p>
+            <a:pPr marL="285750" indent="-285750">
+              <a:spcBef>
+                <a:spcPct val="50000"/>
+              </a:spcBef>
+            </a:pPr>
+            <a:endParaRPr lang="ru-RU" altLang="ru-RU" sz="1400" dirty="0">
+              <a:solidFill>
+                <a:srgbClr val="100E0C"/>
+              </a:solidFill>
+            </a:endParaRPr>
+          </a:p>
+        </p:txBody>
+      </p:sp>
+      <p:graphicFrame>
+        <p:nvGraphicFramePr>
+          <p:cNvPr id="2" name="Объект 1"/>
+          <p:cNvGraphicFramePr>
+            <a:graphicFrameLocks noChangeAspect="1"/>
+          </p:cNvGraphicFramePr>
+          <p:nvPr>
+            <p:extLst>
+              <p:ext uri="{D42A27DB-BD31-4B8C-83A1-F6EECF244321}">
+                <p14:modId xmlns:p14="http://schemas.microsoft.com/office/powerpoint/2010/main" val="2597694856"/>
+              </p:ext>
+            </p:extLst>
+          </p:nvPr>
+        </p:nvGraphicFramePr>
+        <p:xfrm>
+          <a:off x="489297" y="3805942"/>
+          <a:ext cx="4208463" cy="2792412"/>
+        </p:xfrm>
+        <a:graphic>
+          <a:graphicData uri="http://schemas.openxmlformats.org/presentationml/2006/ole">
+            <mc:AlternateContent xmlns:mc="http://schemas.openxmlformats.org/markup-compatibility/2006">
+              <mc:Choice xmlns:v="urn:schemas-microsoft-com:vml" Requires="v">
+                <p:oleObj spid="_x0000_s163882" name="CorelDRAW" r:id="rId3" imgW="2236013" imgH="1483766" progId="CorelDRAW.Graphic.11">
+                  <p:embed/>
+                </p:oleObj>
+              </mc:Choice>
+              <mc:Fallback>
+                <p:oleObj name="CorelDRAW" r:id="rId3" imgW="2236013" imgH="1483766" progId="CorelDRAW.Graphic.11">
+                  <p:embed/>
+                  <p:pic>
+                    <p:nvPicPr>
+                      <p:cNvPr id="0" name="Object 4"/>
+                      <p:cNvPicPr>
+                        <a:picLocks noChangeAspect="1" noChangeArrowheads="1"/>
+                      </p:cNvPicPr>
+                      <p:nvPr/>
+                    </p:nvPicPr>
+                    <p:blipFill>
+                      <a:blip r:embed="rId4">
+                        <a:extLst>
+                          <a:ext uri="{28A0092B-C50C-407E-A947-70E740481C1C}">
+                            <a14:useLocalDpi xmlns:a14="http://schemas.microsoft.com/office/drawing/2010/main" val="0"/>
+                          </a:ext>
+                        </a:extLst>
+                      </a:blip>
+                      <a:srcRect/>
+                      <a:stretch>
+                        <a:fillRect/>
+                      </a:stretch>
+                    </p:blipFill>
+                    <p:spPr bwMode="auto">
+                      <a:xfrm>
+                        <a:off x="489297" y="3805942"/>
+                        <a:ext cx="4208463" cy="2792412"/>
+                      </a:xfrm>
+                      <a:prstGeom prst="rect">
+                        <a:avLst/>
+                      </a:prstGeom>
+                      <a:noFill/>
+                      <a:ln>
+                        <a:noFill/>
+                      </a:ln>
+                      <a:effectLst/>
+                    </p:spPr>
+                  </p:pic>
+                </p:oleObj>
+              </mc:Fallback>
+            </mc:AlternateContent>
+          </a:graphicData>
+        </a:graphic>
+      </p:graphicFrame>
+      <p:graphicFrame>
+        <p:nvGraphicFramePr>
+          <p:cNvPr id="7" name="Объект 6"/>
+          <p:cNvGraphicFramePr>
+            <a:graphicFrameLocks noChangeAspect="1"/>
+          </p:cNvGraphicFramePr>
+          <p:nvPr>
+            <p:extLst>
+              <p:ext uri="{D42A27DB-BD31-4B8C-83A1-F6EECF244321}">
+                <p14:modId xmlns:p14="http://schemas.microsoft.com/office/powerpoint/2010/main" val="1778766838"/>
+              </p:ext>
+            </p:extLst>
+          </p:nvPr>
+        </p:nvGraphicFramePr>
+        <p:xfrm>
+          <a:off x="3762772" y="3933056"/>
+          <a:ext cx="5349949" cy="814327"/>
+        </p:xfrm>
+        <a:graphic>
+          <a:graphicData uri="http://schemas.openxmlformats.org/presentationml/2006/ole">
+            <mc:AlternateContent xmlns:mc="http://schemas.openxmlformats.org/markup-compatibility/2006">
+              <mc:Choice xmlns:v="urn:schemas-microsoft-com:vml" Requires="v">
+                <p:oleObj spid="_x0000_s163883" name="CorelDRAW" r:id="rId5" imgW="3673754" imgH="559308" progId="CorelDRAW.Graphic.11">
+                  <p:embed/>
+                </p:oleObj>
+              </mc:Choice>
+              <mc:Fallback>
+                <p:oleObj name="CorelDRAW" r:id="rId5" imgW="3673754" imgH="559308" progId="CorelDRAW.Graphic.11">
+                  <p:embed/>
+                  <p:pic>
+                    <p:nvPicPr>
+                      <p:cNvPr id="0" name="Object 4"/>
+                      <p:cNvPicPr>
+                        <a:picLocks noChangeAspect="1" noChangeArrowheads="1"/>
+                      </p:cNvPicPr>
+                      <p:nvPr/>
+                    </p:nvPicPr>
+                    <p:blipFill>
+                      <a:blip r:embed="rId6">
+                        <a:extLst>
+                          <a:ext uri="{28A0092B-C50C-407E-A947-70E740481C1C}">
+                            <a14:useLocalDpi xmlns:a14="http://schemas.microsoft.com/office/drawing/2010/main" val="0"/>
+                          </a:ext>
+                        </a:extLst>
+                      </a:blip>
+                      <a:srcRect/>
+                      <a:stretch>
+                        <a:fillRect/>
+                      </a:stretch>
+                    </p:blipFill>
+                    <p:spPr bwMode="auto">
+                      <a:xfrm>
+                        <a:off x="3762772" y="3933056"/>
+                        <a:ext cx="5349949" cy="814327"/>
+                      </a:xfrm>
+                      <a:prstGeom prst="rect">
+                        <a:avLst/>
+                      </a:prstGeom>
+                      <a:noFill/>
+                      <a:ln>
+                        <a:noFill/>
+                      </a:ln>
+                      <a:effectLst/>
+                    </p:spPr>
+                  </p:pic>
+                </p:oleObj>
+              </mc:Fallback>
+            </mc:AlternateContent>
+          </a:graphicData>
+        </a:graphic>
+      </p:graphicFrame>
+    </p:spTree>
+    <p:extLst>
+      <p:ext uri="{BB962C8B-B14F-4D97-AF65-F5344CB8AC3E}">
+        <p14:creationId xmlns:p14="http://schemas.microsoft.com/office/powerpoint/2010/main" val="2110824736"/>
       </p:ext>
     </p:extLst>
   </p:cSld>
@@ -22749,6 +24148,3114 @@
     <p:extLst>
       <p:ext uri="{BB962C8B-B14F-4D97-AF65-F5344CB8AC3E}">
         <p14:creationId xmlns:p14="http://schemas.microsoft.com/office/powerpoint/2010/main" val="3889976069"/>
+      </p:ext>
+    </p:extLst>
+  </p:cSld>
+  <p:clrMapOvr>
+    <a:masterClrMapping/>
+  </p:clrMapOvr>
+  <p:timing>
+    <p:tnLst>
+      <p:par>
+        <p:cTn id="1" dur="indefinite" restart="never" nodeType="tmRoot"/>
+      </p:par>
+    </p:tnLst>
+  </p:timing>
+</p:sld>
+</file>
+
+<file path=ppt/slides/slide20.xml><?xml version="1.0" encoding="utf-8"?>
+<p:sld xmlns:a="http://schemas.openxmlformats.org/drawingml/2006/main" xmlns:r="http://schemas.openxmlformats.org/officeDocument/2006/relationships" xmlns:p="http://schemas.openxmlformats.org/presentationml/2006/main">
+  <p:cSld>
+    <p:spTree>
+      <p:nvGrpSpPr>
+        <p:cNvPr id="1" name=""/>
+        <p:cNvGrpSpPr/>
+        <p:nvPr/>
+      </p:nvGrpSpPr>
+      <p:grpSpPr>
+        <a:xfrm>
+          <a:off x="0" y="0"/>
+          <a:ext cx="0" cy="0"/>
+          <a:chOff x="0" y="0"/>
+          <a:chExt cx="0" cy="0"/>
+        </a:xfrm>
+      </p:grpSpPr>
+      <p:sp>
+        <p:nvSpPr>
+          <p:cNvPr id="19" name="Заголовок 1"/>
+          <p:cNvSpPr txBox="1">
+            <a:spLocks/>
+          </p:cNvSpPr>
+          <p:nvPr/>
+        </p:nvSpPr>
+        <p:spPr>
+          <a:xfrm>
+            <a:off x="0" y="752872"/>
+            <a:ext cx="9144000" cy="947936"/>
+          </a:xfrm>
+          <a:prstGeom prst="rect">
+            <a:avLst/>
+          </a:prstGeom>
+        </p:spPr>
+        <p:txBody>
+          <a:bodyPr/>
+          <a:lstStyle>
+            <a:lvl1pPr algn="l" rtl="0" fontAlgn="base">
+              <a:spcBef>
+                <a:spcPct val="0"/>
+              </a:spcBef>
+              <a:spcAft>
+                <a:spcPct val="0"/>
+              </a:spcAft>
+              <a:defRPr sz="4400">
+                <a:solidFill>
+                  <a:schemeClr val="tx2"/>
+                </a:solidFill>
+                <a:latin typeface="+mj-lt"/>
+                <a:ea typeface="+mj-ea"/>
+                <a:cs typeface="+mj-cs"/>
+              </a:defRPr>
+            </a:lvl1pPr>
+            <a:lvl2pPr algn="l" rtl="0" fontAlgn="base">
+              <a:spcBef>
+                <a:spcPct val="0"/>
+              </a:spcBef>
+              <a:spcAft>
+                <a:spcPct val="0"/>
+              </a:spcAft>
+              <a:defRPr sz="4400">
+                <a:solidFill>
+                  <a:schemeClr val="tx2"/>
+                </a:solidFill>
+                <a:latin typeface="Times New Roman" pitchFamily="18" charset="0"/>
+              </a:defRPr>
+            </a:lvl2pPr>
+            <a:lvl3pPr algn="l" rtl="0" fontAlgn="base">
+              <a:spcBef>
+                <a:spcPct val="0"/>
+              </a:spcBef>
+              <a:spcAft>
+                <a:spcPct val="0"/>
+              </a:spcAft>
+              <a:defRPr sz="4400">
+                <a:solidFill>
+                  <a:schemeClr val="tx2"/>
+                </a:solidFill>
+                <a:latin typeface="Times New Roman" pitchFamily="18" charset="0"/>
+              </a:defRPr>
+            </a:lvl3pPr>
+            <a:lvl4pPr algn="l" rtl="0" fontAlgn="base">
+              <a:spcBef>
+                <a:spcPct val="0"/>
+              </a:spcBef>
+              <a:spcAft>
+                <a:spcPct val="0"/>
+              </a:spcAft>
+              <a:defRPr sz="4400">
+                <a:solidFill>
+                  <a:schemeClr val="tx2"/>
+                </a:solidFill>
+                <a:latin typeface="Times New Roman" pitchFamily="18" charset="0"/>
+              </a:defRPr>
+            </a:lvl4pPr>
+            <a:lvl5pPr algn="l" rtl="0" fontAlgn="base">
+              <a:spcBef>
+                <a:spcPct val="0"/>
+              </a:spcBef>
+              <a:spcAft>
+                <a:spcPct val="0"/>
+              </a:spcAft>
+              <a:defRPr sz="4400">
+                <a:solidFill>
+                  <a:schemeClr val="tx2"/>
+                </a:solidFill>
+                <a:latin typeface="Times New Roman" pitchFamily="18" charset="0"/>
+              </a:defRPr>
+            </a:lvl5pPr>
+            <a:lvl6pPr marL="457200" algn="l" rtl="0" fontAlgn="base">
+              <a:spcBef>
+                <a:spcPct val="0"/>
+              </a:spcBef>
+              <a:spcAft>
+                <a:spcPct val="0"/>
+              </a:spcAft>
+              <a:defRPr sz="4400">
+                <a:solidFill>
+                  <a:schemeClr val="tx2"/>
+                </a:solidFill>
+                <a:latin typeface="Times New Roman" pitchFamily="18" charset="0"/>
+              </a:defRPr>
+            </a:lvl6pPr>
+            <a:lvl7pPr marL="914400" algn="l" rtl="0" fontAlgn="base">
+              <a:spcBef>
+                <a:spcPct val="0"/>
+              </a:spcBef>
+              <a:spcAft>
+                <a:spcPct val="0"/>
+              </a:spcAft>
+              <a:defRPr sz="4400">
+                <a:solidFill>
+                  <a:schemeClr val="tx2"/>
+                </a:solidFill>
+                <a:latin typeface="Times New Roman" pitchFamily="18" charset="0"/>
+              </a:defRPr>
+            </a:lvl7pPr>
+            <a:lvl8pPr marL="1371600" algn="l" rtl="0" fontAlgn="base">
+              <a:spcBef>
+                <a:spcPct val="0"/>
+              </a:spcBef>
+              <a:spcAft>
+                <a:spcPct val="0"/>
+              </a:spcAft>
+              <a:defRPr sz="4400">
+                <a:solidFill>
+                  <a:schemeClr val="tx2"/>
+                </a:solidFill>
+                <a:latin typeface="Times New Roman" pitchFamily="18" charset="0"/>
+              </a:defRPr>
+            </a:lvl8pPr>
+            <a:lvl9pPr marL="1828800" algn="l" rtl="0" fontAlgn="base">
+              <a:spcBef>
+                <a:spcPct val="0"/>
+              </a:spcBef>
+              <a:spcAft>
+                <a:spcPct val="0"/>
+              </a:spcAft>
+              <a:defRPr sz="4400">
+                <a:solidFill>
+                  <a:schemeClr val="tx2"/>
+                </a:solidFill>
+                <a:latin typeface="Times New Roman" pitchFamily="18" charset="0"/>
+              </a:defRPr>
+            </a:lvl9pPr>
+          </a:lstStyle>
+          <a:p>
+            <a:pPr algn="ctr">
+              <a:buClrTx/>
+              <a:buSzTx/>
+              <a:buFontTx/>
+              <a:buNone/>
+            </a:pPr>
+            <a:r>
+              <a:rPr kumimoji="0" lang="ru-RU" altLang="ru-RU" b="1" kern="0" dirty="0" smtClean="0"/>
+              <a:t>Кодирование </a:t>
+            </a:r>
+            <a:r>
+              <a:rPr kumimoji="0" lang="en-US" altLang="ru-RU" b="1" kern="0" dirty="0" smtClean="0"/>
+              <a:t>Fast Ethernet</a:t>
+            </a:r>
+          </a:p>
+        </p:txBody>
+      </p:sp>
+      <p:sp>
+        <p:nvSpPr>
+          <p:cNvPr id="3" name="TextBox 2"/>
+          <p:cNvSpPr txBox="1"/>
+          <p:nvPr/>
+        </p:nvSpPr>
+        <p:spPr>
+          <a:xfrm>
+            <a:off x="2843808" y="1988840"/>
+            <a:ext cx="3312368" cy="400110"/>
+          </a:xfrm>
+          <a:prstGeom prst="rect">
+            <a:avLst/>
+          </a:prstGeom>
+          <a:solidFill>
+            <a:srgbClr val="92D050"/>
+          </a:solidFill>
+        </p:spPr>
+        <p:style>
+          <a:lnRef idx="0">
+            <a:schemeClr val="accent2"/>
+          </a:lnRef>
+          <a:fillRef idx="3">
+            <a:schemeClr val="accent2"/>
+          </a:fillRef>
+          <a:effectRef idx="3">
+            <a:schemeClr val="accent2"/>
+          </a:effectRef>
+          <a:fontRef idx="minor">
+            <a:schemeClr val="lt1"/>
+          </a:fontRef>
+        </p:style>
+        <p:txBody>
+          <a:bodyPr wrap="square" rtlCol="0">
+            <a:spAutoFit/>
+          </a:bodyPr>
+          <a:lstStyle/>
+          <a:p>
+            <a:pPr algn="ctr">
+              <a:buNone/>
+            </a:pPr>
+            <a:r>
+              <a:rPr lang="en-US" dirty="0" smtClean="0">
+                <a:solidFill>
+                  <a:srgbClr val="002060"/>
+                </a:solidFill>
+              </a:rPr>
+              <a:t>4B5B</a:t>
+            </a:r>
+            <a:endParaRPr lang="ru-RU" dirty="0">
+              <a:solidFill>
+                <a:srgbClr val="002060"/>
+              </a:solidFill>
+            </a:endParaRPr>
+          </a:p>
+        </p:txBody>
+      </p:sp>
+      <p:sp>
+        <p:nvSpPr>
+          <p:cNvPr id="8" name="TextBox 7"/>
+          <p:cNvSpPr txBox="1"/>
+          <p:nvPr/>
+        </p:nvSpPr>
+        <p:spPr>
+          <a:xfrm>
+            <a:off x="899592" y="3717032"/>
+            <a:ext cx="3312368" cy="400110"/>
+          </a:xfrm>
+          <a:prstGeom prst="rect">
+            <a:avLst/>
+          </a:prstGeom>
+          <a:solidFill>
+            <a:srgbClr val="00B050"/>
+          </a:solidFill>
+        </p:spPr>
+        <p:style>
+          <a:lnRef idx="0">
+            <a:schemeClr val="accent2"/>
+          </a:lnRef>
+          <a:fillRef idx="3">
+            <a:schemeClr val="accent2"/>
+          </a:fillRef>
+          <a:effectRef idx="3">
+            <a:schemeClr val="accent2"/>
+          </a:effectRef>
+          <a:fontRef idx="minor">
+            <a:schemeClr val="lt1"/>
+          </a:fontRef>
+        </p:style>
+        <p:txBody>
+          <a:bodyPr wrap="square" rtlCol="0">
+            <a:spAutoFit/>
+          </a:bodyPr>
+          <a:lstStyle/>
+          <a:p>
+            <a:pPr algn="ctr">
+              <a:buNone/>
+            </a:pPr>
+            <a:r>
+              <a:rPr lang="en-US" dirty="0" smtClean="0">
+                <a:solidFill>
+                  <a:srgbClr val="002060"/>
+                </a:solidFill>
+              </a:rPr>
+              <a:t>MLT-3</a:t>
+            </a:r>
+            <a:endParaRPr lang="ru-RU" dirty="0">
+              <a:solidFill>
+                <a:srgbClr val="002060"/>
+              </a:solidFill>
+            </a:endParaRPr>
+          </a:p>
+        </p:txBody>
+      </p:sp>
+      <p:sp>
+        <p:nvSpPr>
+          <p:cNvPr id="9" name="TextBox 8"/>
+          <p:cNvSpPr txBox="1"/>
+          <p:nvPr/>
+        </p:nvSpPr>
+        <p:spPr>
+          <a:xfrm>
+            <a:off x="5076056" y="3717032"/>
+            <a:ext cx="3312368" cy="400110"/>
+          </a:xfrm>
+          <a:prstGeom prst="rect">
+            <a:avLst/>
+          </a:prstGeom>
+          <a:solidFill>
+            <a:srgbClr val="00B0F0"/>
+          </a:solidFill>
+        </p:spPr>
+        <p:style>
+          <a:lnRef idx="0">
+            <a:schemeClr val="accent2"/>
+          </a:lnRef>
+          <a:fillRef idx="3">
+            <a:schemeClr val="accent2"/>
+          </a:fillRef>
+          <a:effectRef idx="3">
+            <a:schemeClr val="accent2"/>
+          </a:effectRef>
+          <a:fontRef idx="minor">
+            <a:schemeClr val="lt1"/>
+          </a:fontRef>
+        </p:style>
+        <p:txBody>
+          <a:bodyPr wrap="square" rtlCol="0">
+            <a:spAutoFit/>
+          </a:bodyPr>
+          <a:lstStyle/>
+          <a:p>
+            <a:pPr algn="ctr">
+              <a:buNone/>
+            </a:pPr>
+            <a:r>
+              <a:rPr lang="en-US" dirty="0" smtClean="0">
+                <a:solidFill>
+                  <a:srgbClr val="002060"/>
+                </a:solidFill>
+              </a:rPr>
+              <a:t>NRZI</a:t>
+            </a:r>
+            <a:endParaRPr lang="ru-RU" dirty="0">
+              <a:solidFill>
+                <a:srgbClr val="002060"/>
+              </a:solidFill>
+            </a:endParaRPr>
+          </a:p>
+        </p:txBody>
+      </p:sp>
+      <p:cxnSp>
+        <p:nvCxnSpPr>
+          <p:cNvPr id="5" name="Прямая со стрелкой 4"/>
+          <p:cNvCxnSpPr/>
+          <p:nvPr/>
+        </p:nvCxnSpPr>
+        <p:spPr bwMode="auto">
+          <a:xfrm flipH="1">
+            <a:off x="2627784" y="2492896"/>
+            <a:ext cx="1512168" cy="1080120"/>
+          </a:xfrm>
+          <a:prstGeom prst="straightConnector1">
+            <a:avLst/>
+          </a:prstGeom>
+          <a:noFill/>
+          <a:ln w="9525" cap="flat" cmpd="sng" algn="ctr">
+            <a:solidFill>
+              <a:schemeClr val="tx1"/>
+            </a:solidFill>
+            <a:prstDash val="solid"/>
+            <a:round/>
+            <a:headEnd type="none" w="med" len="med"/>
+            <a:tailEnd type="arrow"/>
+          </a:ln>
+          <a:effectLst/>
+          <a:extLst>
+            <a:ext uri="{909E8E84-426E-40DD-AFC4-6F175D3DCCD1}">
+              <a14:hiddenFill xmlns:a14="http://schemas.microsoft.com/office/drawing/2010/main">
+                <a:solidFill>
+                  <a:schemeClr val="accent1"/>
+                </a:solidFill>
+              </a14:hiddenFill>
+            </a:ext>
+            <a:ext uri="{AF507438-7753-43E0-B8FC-AC1667EBCBE1}">
+              <a14:hiddenEffects xmlns:a14="http://schemas.microsoft.com/office/drawing/2010/main">
+                <a:effectLst>
+                  <a:outerShdw dist="35921" dir="2700000" algn="ctr" rotWithShape="0">
+                    <a:schemeClr val="bg2"/>
+                  </a:outerShdw>
+                </a:effectLst>
+              </a14:hiddenEffects>
+            </a:ext>
+          </a:extLst>
+        </p:spPr>
+      </p:cxnSp>
+      <p:cxnSp>
+        <p:nvCxnSpPr>
+          <p:cNvPr id="11" name="Прямая со стрелкой 10"/>
+          <p:cNvCxnSpPr/>
+          <p:nvPr/>
+        </p:nvCxnSpPr>
+        <p:spPr bwMode="auto">
+          <a:xfrm>
+            <a:off x="4788024" y="2492896"/>
+            <a:ext cx="1872208" cy="1080120"/>
+          </a:xfrm>
+          <a:prstGeom prst="straightConnector1">
+            <a:avLst/>
+          </a:prstGeom>
+          <a:noFill/>
+          <a:ln w="9525" cap="flat" cmpd="sng" algn="ctr">
+            <a:solidFill>
+              <a:schemeClr val="tx1"/>
+            </a:solidFill>
+            <a:prstDash val="solid"/>
+            <a:round/>
+            <a:headEnd type="none" w="med" len="med"/>
+            <a:tailEnd type="arrow"/>
+          </a:ln>
+          <a:effectLst/>
+          <a:extLst>
+            <a:ext uri="{909E8E84-426E-40DD-AFC4-6F175D3DCCD1}">
+              <a14:hiddenFill xmlns:a14="http://schemas.microsoft.com/office/drawing/2010/main">
+                <a:solidFill>
+                  <a:schemeClr val="accent1"/>
+                </a:solidFill>
+              </a14:hiddenFill>
+            </a:ext>
+            <a:ext uri="{AF507438-7753-43E0-B8FC-AC1667EBCBE1}">
+              <a14:hiddenEffects xmlns:a14="http://schemas.microsoft.com/office/drawing/2010/main">
+                <a:effectLst>
+                  <a:outerShdw dist="35921" dir="2700000" algn="ctr" rotWithShape="0">
+                    <a:schemeClr val="bg2"/>
+                  </a:outerShdw>
+                </a:effectLst>
+              </a14:hiddenEffects>
+            </a:ext>
+          </a:extLst>
+        </p:spPr>
+      </p:cxnSp>
+      <p:pic>
+        <p:nvPicPr>
+          <p:cNvPr id="164866" name="Picture 2" descr="https://upload.wikimedia.org/wikipedia/commons/thumb/b/b4/MLT3encoding.svg/360px-MLT3encoding.svg.png"/>
+          <p:cNvPicPr>
+            <a:picLocks noChangeAspect="1" noChangeArrowheads="1"/>
+          </p:cNvPicPr>
+          <p:nvPr/>
+        </p:nvPicPr>
+        <p:blipFill>
+          <a:blip r:embed="rId2">
+            <a:extLst>
+              <a:ext uri="{28A0092B-C50C-407E-A947-70E740481C1C}">
+                <a14:useLocalDpi xmlns:a14="http://schemas.microsoft.com/office/drawing/2010/main" val="0"/>
+              </a:ext>
+            </a:extLst>
+          </a:blip>
+          <a:srcRect/>
+          <a:stretch>
+            <a:fillRect/>
+          </a:stretch>
+        </p:blipFill>
+        <p:spPr bwMode="auto">
+          <a:xfrm>
+            <a:off x="422920" y="4285752"/>
+            <a:ext cx="4077072" cy="1596854"/>
+          </a:xfrm>
+          <a:prstGeom prst="rect">
+            <a:avLst/>
+          </a:prstGeom>
+          <a:noFill/>
+          <a:extLst>
+            <a:ext uri="{909E8E84-426E-40DD-AFC4-6F175D3DCCD1}">
+              <a14:hiddenFill xmlns:a14="http://schemas.microsoft.com/office/drawing/2010/main">
+                <a:solidFill>
+                  <a:srgbClr val="FFFFFF"/>
+                </a:solidFill>
+              </a14:hiddenFill>
+            </a:ext>
+          </a:extLst>
+        </p:spPr>
+      </p:pic>
+      <p:pic>
+        <p:nvPicPr>
+          <p:cNvPr id="164868" name="Picture 4" descr="https://upload.wikimedia.org/wikipedia/commons/e/e4/NRZI_example.png"/>
+          <p:cNvPicPr>
+            <a:picLocks noChangeAspect="1" noChangeArrowheads="1"/>
+          </p:cNvPicPr>
+          <p:nvPr/>
+        </p:nvPicPr>
+        <p:blipFill>
+          <a:blip r:embed="rId3">
+            <a:extLst>
+              <a:ext uri="{28A0092B-C50C-407E-A947-70E740481C1C}">
+                <a14:useLocalDpi xmlns:a14="http://schemas.microsoft.com/office/drawing/2010/main" val="0"/>
+              </a:ext>
+            </a:extLst>
+          </a:blip>
+          <a:srcRect/>
+          <a:stretch>
+            <a:fillRect/>
+          </a:stretch>
+        </p:blipFill>
+        <p:spPr bwMode="auto">
+          <a:xfrm>
+            <a:off x="5148064" y="4364099"/>
+            <a:ext cx="3024336" cy="1440160"/>
+          </a:xfrm>
+          <a:prstGeom prst="rect">
+            <a:avLst/>
+          </a:prstGeom>
+          <a:noFill/>
+          <a:extLst>
+            <a:ext uri="{909E8E84-426E-40DD-AFC4-6F175D3DCCD1}">
+              <a14:hiddenFill xmlns:a14="http://schemas.microsoft.com/office/drawing/2010/main">
+                <a:solidFill>
+                  <a:srgbClr val="FFFFFF"/>
+                </a:solidFill>
+              </a14:hiddenFill>
+            </a:ext>
+          </a:extLst>
+        </p:spPr>
+      </p:pic>
+      <p:sp>
+        <p:nvSpPr>
+          <p:cNvPr id="12" name="TextBox 11"/>
+          <p:cNvSpPr txBox="1"/>
+          <p:nvPr/>
+        </p:nvSpPr>
+        <p:spPr>
+          <a:xfrm>
+            <a:off x="6948264" y="3212976"/>
+            <a:ext cx="1625766" cy="400110"/>
+          </a:xfrm>
+          <a:prstGeom prst="rect">
+            <a:avLst/>
+          </a:prstGeom>
+          <a:noFill/>
+        </p:spPr>
+        <p:txBody>
+          <a:bodyPr wrap="none" rtlCol="0">
+            <a:spAutoFit/>
+          </a:bodyPr>
+          <a:lstStyle/>
+          <a:p>
+            <a:r>
+              <a:rPr lang="en-US" dirty="0" smtClean="0"/>
+              <a:t>100Base-FX</a:t>
+            </a:r>
+            <a:endParaRPr lang="ru-RU" dirty="0"/>
+          </a:p>
+        </p:txBody>
+      </p:sp>
+      <p:sp>
+        <p:nvSpPr>
+          <p:cNvPr id="16" name="TextBox 15"/>
+          <p:cNvSpPr txBox="1"/>
+          <p:nvPr/>
+        </p:nvSpPr>
+        <p:spPr>
+          <a:xfrm>
+            <a:off x="899592" y="3172906"/>
+            <a:ext cx="1640193" cy="400110"/>
+          </a:xfrm>
+          <a:prstGeom prst="rect">
+            <a:avLst/>
+          </a:prstGeom>
+          <a:noFill/>
+        </p:spPr>
+        <p:txBody>
+          <a:bodyPr wrap="none" rtlCol="0">
+            <a:spAutoFit/>
+          </a:bodyPr>
+          <a:lstStyle/>
+          <a:p>
+            <a:r>
+              <a:rPr lang="en-US" dirty="0" smtClean="0"/>
+              <a:t>100Base-TX</a:t>
+            </a:r>
+            <a:endParaRPr lang="ru-RU" dirty="0"/>
+          </a:p>
+        </p:txBody>
+      </p:sp>
+    </p:spTree>
+    <p:extLst>
+      <p:ext uri="{BB962C8B-B14F-4D97-AF65-F5344CB8AC3E}">
+        <p14:creationId xmlns:p14="http://schemas.microsoft.com/office/powerpoint/2010/main" val="1272487767"/>
+      </p:ext>
+    </p:extLst>
+  </p:cSld>
+  <p:clrMapOvr>
+    <a:masterClrMapping/>
+  </p:clrMapOvr>
+  <p:timing>
+    <p:tnLst>
+      <p:par>
+        <p:cTn id="1" dur="indefinite" restart="never" nodeType="tmRoot"/>
+      </p:par>
+    </p:tnLst>
+  </p:timing>
+</p:sld>
+</file>
+
+<file path=ppt/slides/slide21.xml><?xml version="1.0" encoding="utf-8"?>
+<p:sld xmlns:a="http://schemas.openxmlformats.org/drawingml/2006/main" xmlns:r="http://schemas.openxmlformats.org/officeDocument/2006/relationships" xmlns:p="http://schemas.openxmlformats.org/presentationml/2006/main">
+  <p:cSld>
+    <p:spTree>
+      <p:nvGrpSpPr>
+        <p:cNvPr id="1" name=""/>
+        <p:cNvGrpSpPr/>
+        <p:nvPr/>
+      </p:nvGrpSpPr>
+      <p:grpSpPr>
+        <a:xfrm>
+          <a:off x="0" y="0"/>
+          <a:ext cx="0" cy="0"/>
+          <a:chOff x="0" y="0"/>
+          <a:chExt cx="0" cy="0"/>
+        </a:xfrm>
+      </p:grpSpPr>
+      <p:sp>
+        <p:nvSpPr>
+          <p:cNvPr id="19" name="Заголовок 1"/>
+          <p:cNvSpPr txBox="1">
+            <a:spLocks/>
+          </p:cNvSpPr>
+          <p:nvPr/>
+        </p:nvSpPr>
+        <p:spPr>
+          <a:xfrm>
+            <a:off x="0" y="752872"/>
+            <a:ext cx="9144000" cy="947936"/>
+          </a:xfrm>
+          <a:prstGeom prst="rect">
+            <a:avLst/>
+          </a:prstGeom>
+        </p:spPr>
+        <p:txBody>
+          <a:bodyPr/>
+          <a:lstStyle>
+            <a:lvl1pPr algn="l" rtl="0" fontAlgn="base">
+              <a:spcBef>
+                <a:spcPct val="0"/>
+              </a:spcBef>
+              <a:spcAft>
+                <a:spcPct val="0"/>
+              </a:spcAft>
+              <a:defRPr sz="4400">
+                <a:solidFill>
+                  <a:schemeClr val="tx2"/>
+                </a:solidFill>
+                <a:latin typeface="+mj-lt"/>
+                <a:ea typeface="+mj-ea"/>
+                <a:cs typeface="+mj-cs"/>
+              </a:defRPr>
+            </a:lvl1pPr>
+            <a:lvl2pPr algn="l" rtl="0" fontAlgn="base">
+              <a:spcBef>
+                <a:spcPct val="0"/>
+              </a:spcBef>
+              <a:spcAft>
+                <a:spcPct val="0"/>
+              </a:spcAft>
+              <a:defRPr sz="4400">
+                <a:solidFill>
+                  <a:schemeClr val="tx2"/>
+                </a:solidFill>
+                <a:latin typeface="Times New Roman" pitchFamily="18" charset="0"/>
+              </a:defRPr>
+            </a:lvl2pPr>
+            <a:lvl3pPr algn="l" rtl="0" fontAlgn="base">
+              <a:spcBef>
+                <a:spcPct val="0"/>
+              </a:spcBef>
+              <a:spcAft>
+                <a:spcPct val="0"/>
+              </a:spcAft>
+              <a:defRPr sz="4400">
+                <a:solidFill>
+                  <a:schemeClr val="tx2"/>
+                </a:solidFill>
+                <a:latin typeface="Times New Roman" pitchFamily="18" charset="0"/>
+              </a:defRPr>
+            </a:lvl3pPr>
+            <a:lvl4pPr algn="l" rtl="0" fontAlgn="base">
+              <a:spcBef>
+                <a:spcPct val="0"/>
+              </a:spcBef>
+              <a:spcAft>
+                <a:spcPct val="0"/>
+              </a:spcAft>
+              <a:defRPr sz="4400">
+                <a:solidFill>
+                  <a:schemeClr val="tx2"/>
+                </a:solidFill>
+                <a:latin typeface="Times New Roman" pitchFamily="18" charset="0"/>
+              </a:defRPr>
+            </a:lvl4pPr>
+            <a:lvl5pPr algn="l" rtl="0" fontAlgn="base">
+              <a:spcBef>
+                <a:spcPct val="0"/>
+              </a:spcBef>
+              <a:spcAft>
+                <a:spcPct val="0"/>
+              </a:spcAft>
+              <a:defRPr sz="4400">
+                <a:solidFill>
+                  <a:schemeClr val="tx2"/>
+                </a:solidFill>
+                <a:latin typeface="Times New Roman" pitchFamily="18" charset="0"/>
+              </a:defRPr>
+            </a:lvl5pPr>
+            <a:lvl6pPr marL="457200" algn="l" rtl="0" fontAlgn="base">
+              <a:spcBef>
+                <a:spcPct val="0"/>
+              </a:spcBef>
+              <a:spcAft>
+                <a:spcPct val="0"/>
+              </a:spcAft>
+              <a:defRPr sz="4400">
+                <a:solidFill>
+                  <a:schemeClr val="tx2"/>
+                </a:solidFill>
+                <a:latin typeface="Times New Roman" pitchFamily="18" charset="0"/>
+              </a:defRPr>
+            </a:lvl6pPr>
+            <a:lvl7pPr marL="914400" algn="l" rtl="0" fontAlgn="base">
+              <a:spcBef>
+                <a:spcPct val="0"/>
+              </a:spcBef>
+              <a:spcAft>
+                <a:spcPct val="0"/>
+              </a:spcAft>
+              <a:defRPr sz="4400">
+                <a:solidFill>
+                  <a:schemeClr val="tx2"/>
+                </a:solidFill>
+                <a:latin typeface="Times New Roman" pitchFamily="18" charset="0"/>
+              </a:defRPr>
+            </a:lvl7pPr>
+            <a:lvl8pPr marL="1371600" algn="l" rtl="0" fontAlgn="base">
+              <a:spcBef>
+                <a:spcPct val="0"/>
+              </a:spcBef>
+              <a:spcAft>
+                <a:spcPct val="0"/>
+              </a:spcAft>
+              <a:defRPr sz="4400">
+                <a:solidFill>
+                  <a:schemeClr val="tx2"/>
+                </a:solidFill>
+                <a:latin typeface="Times New Roman" pitchFamily="18" charset="0"/>
+              </a:defRPr>
+            </a:lvl8pPr>
+            <a:lvl9pPr marL="1828800" algn="l" rtl="0" fontAlgn="base">
+              <a:spcBef>
+                <a:spcPct val="0"/>
+              </a:spcBef>
+              <a:spcAft>
+                <a:spcPct val="0"/>
+              </a:spcAft>
+              <a:defRPr sz="4400">
+                <a:solidFill>
+                  <a:schemeClr val="tx2"/>
+                </a:solidFill>
+                <a:latin typeface="Times New Roman" pitchFamily="18" charset="0"/>
+              </a:defRPr>
+            </a:lvl9pPr>
+          </a:lstStyle>
+          <a:p>
+            <a:pPr algn="ctr">
+              <a:buClrTx/>
+              <a:buSzTx/>
+              <a:buFontTx/>
+              <a:buNone/>
+            </a:pPr>
+            <a:r>
+              <a:rPr kumimoji="0" lang="en-US" altLang="ru-RU" b="1" kern="0" dirty="0" smtClean="0"/>
+              <a:t>Gigabit Ethernet</a:t>
+            </a:r>
+          </a:p>
+        </p:txBody>
+      </p:sp>
+      <p:sp>
+        <p:nvSpPr>
+          <p:cNvPr id="2" name="TextBox 1"/>
+          <p:cNvSpPr txBox="1"/>
+          <p:nvPr/>
+        </p:nvSpPr>
+        <p:spPr>
+          <a:xfrm>
+            <a:off x="755576" y="1700808"/>
+            <a:ext cx="7848872" cy="4462760"/>
+          </a:xfrm>
+          <a:prstGeom prst="rect">
+            <a:avLst/>
+          </a:prstGeom>
+          <a:noFill/>
+        </p:spPr>
+        <p:txBody>
+          <a:bodyPr wrap="square" rtlCol="0">
+            <a:spAutoFit/>
+          </a:bodyPr>
+          <a:lstStyle/>
+          <a:p>
+            <a:r>
+              <a:rPr lang="ru-RU" dirty="0" smtClean="0">
+                <a:solidFill>
+                  <a:srgbClr val="100E0C"/>
+                </a:solidFill>
+              </a:rPr>
+              <a:t>Перегруз магистралей клиентами </a:t>
+            </a:r>
+            <a:r>
+              <a:rPr lang="en-US" dirty="0" smtClean="0">
+                <a:solidFill>
+                  <a:srgbClr val="100E0C"/>
+                </a:solidFill>
+              </a:rPr>
+              <a:t>100 </a:t>
+            </a:r>
+            <a:r>
+              <a:rPr lang="ru-RU" dirty="0" smtClean="0">
+                <a:solidFill>
+                  <a:srgbClr val="100E0C"/>
+                </a:solidFill>
+              </a:rPr>
+              <a:t>Мбит</a:t>
+            </a:r>
+            <a:endParaRPr lang="en-US" dirty="0" smtClean="0">
+              <a:solidFill>
+                <a:srgbClr val="100E0C"/>
+              </a:solidFill>
+            </a:endParaRPr>
+          </a:p>
+          <a:p>
+            <a:r>
+              <a:rPr lang="ru-RU" dirty="0" smtClean="0">
+                <a:solidFill>
+                  <a:srgbClr val="100E0C"/>
+                </a:solidFill>
+              </a:rPr>
+              <a:t>Группа </a:t>
+            </a:r>
+            <a:r>
+              <a:rPr lang="en-US" dirty="0" smtClean="0">
+                <a:solidFill>
+                  <a:srgbClr val="100E0C"/>
+                </a:solidFill>
+              </a:rPr>
+              <a:t>IEEE 802.3z, 1996</a:t>
+            </a:r>
+            <a:endParaRPr lang="ru-RU" dirty="0" smtClean="0">
+              <a:solidFill>
+                <a:srgbClr val="100E0C"/>
+              </a:solidFill>
+            </a:endParaRPr>
+          </a:p>
+          <a:p>
+            <a:r>
+              <a:rPr lang="ru-RU" dirty="0" smtClean="0">
+                <a:solidFill>
+                  <a:srgbClr val="100E0C"/>
+                </a:solidFill>
+              </a:rPr>
+              <a:t>Стандарт </a:t>
+            </a:r>
+            <a:r>
+              <a:rPr lang="en-US" dirty="0" smtClean="0">
+                <a:solidFill>
+                  <a:srgbClr val="100E0C"/>
+                </a:solidFill>
+              </a:rPr>
+              <a:t>IEEE 802.3z, 1998</a:t>
+            </a:r>
+          </a:p>
+          <a:p>
+            <a:r>
+              <a:rPr lang="ru-RU" dirty="0" smtClean="0">
+                <a:solidFill>
+                  <a:srgbClr val="100E0C"/>
+                </a:solidFill>
+              </a:rPr>
+              <a:t>Формат кадра сохранился</a:t>
+            </a:r>
+          </a:p>
+          <a:p>
+            <a:r>
+              <a:rPr lang="ru-RU" dirty="0" smtClean="0">
+                <a:solidFill>
+                  <a:srgbClr val="100E0C"/>
+                </a:solidFill>
+              </a:rPr>
+              <a:t>Два режима:</a:t>
+            </a:r>
+          </a:p>
+          <a:p>
+            <a:pPr lvl="1"/>
+            <a:r>
+              <a:rPr lang="ru-RU" dirty="0" smtClean="0">
+                <a:solidFill>
+                  <a:srgbClr val="100E0C"/>
+                </a:solidFill>
+              </a:rPr>
+              <a:t>Полудуплекс (редко используется)</a:t>
+            </a:r>
+          </a:p>
+          <a:p>
+            <a:pPr lvl="1"/>
+            <a:r>
+              <a:rPr lang="ru-RU" dirty="0" smtClean="0">
+                <a:solidFill>
+                  <a:srgbClr val="100E0C"/>
+                </a:solidFill>
+              </a:rPr>
+              <a:t>Дуплекс (основной)</a:t>
+            </a:r>
+          </a:p>
+          <a:p>
+            <a:r>
+              <a:rPr lang="ru-RU" dirty="0" smtClean="0">
+                <a:solidFill>
+                  <a:srgbClr val="100E0C"/>
+                </a:solidFill>
+              </a:rPr>
+              <a:t>Диаметр сети </a:t>
+            </a:r>
+            <a:r>
+              <a:rPr lang="en-US" dirty="0" smtClean="0">
+                <a:solidFill>
+                  <a:srgbClr val="100E0C"/>
+                </a:solidFill>
+              </a:rPr>
+              <a:t>&lt;</a:t>
+            </a:r>
+            <a:r>
+              <a:rPr lang="ru-RU" dirty="0" smtClean="0">
+                <a:solidFill>
+                  <a:srgbClr val="100E0C"/>
+                </a:solidFill>
+              </a:rPr>
+              <a:t> 200 м</a:t>
+            </a:r>
+          </a:p>
+          <a:p>
+            <a:r>
+              <a:rPr lang="ru-RU" dirty="0" smtClean="0">
+                <a:solidFill>
+                  <a:srgbClr val="100E0C"/>
+                </a:solidFill>
+              </a:rPr>
+              <a:t>Минимальный размер кадра увеличен до 512 байт</a:t>
+            </a:r>
+          </a:p>
+          <a:p>
+            <a:pPr lvl="1"/>
+            <a:r>
+              <a:rPr lang="ru-RU" dirty="0" smtClean="0">
+                <a:solidFill>
+                  <a:srgbClr val="100E0C"/>
+                </a:solidFill>
+              </a:rPr>
+              <a:t>Заполнитель до 448 байт</a:t>
+            </a:r>
+          </a:p>
+          <a:p>
+            <a:r>
+              <a:rPr lang="ru-RU" dirty="0" smtClean="0">
+                <a:solidFill>
+                  <a:srgbClr val="100E0C"/>
+                </a:solidFill>
+              </a:rPr>
+              <a:t>Режим пульсаций</a:t>
+            </a:r>
+            <a:r>
+              <a:rPr lang="en-US" dirty="0" smtClean="0">
+                <a:solidFill>
+                  <a:srgbClr val="100E0C"/>
+                </a:solidFill>
+              </a:rPr>
+              <a:t> (Burst mode)</a:t>
+            </a:r>
+            <a:r>
+              <a:rPr lang="ru-RU" dirty="0" smtClean="0">
+                <a:solidFill>
+                  <a:srgbClr val="100E0C"/>
+                </a:solidFill>
+              </a:rPr>
+              <a:t>: несколько кадров до 8192 байт</a:t>
+            </a:r>
+            <a:endParaRPr lang="en-US" dirty="0" smtClean="0">
+              <a:solidFill>
+                <a:srgbClr val="100E0C"/>
+              </a:solidFill>
+            </a:endParaRPr>
+          </a:p>
+          <a:p>
+            <a:r>
+              <a:rPr lang="ru-RU" dirty="0" smtClean="0">
+                <a:solidFill>
+                  <a:srgbClr val="100E0C"/>
+                </a:solidFill>
+              </a:rPr>
+              <a:t>Автоматическая конфигурация </a:t>
+            </a:r>
+            <a:r>
+              <a:rPr lang="en-US" dirty="0" smtClean="0">
+                <a:solidFill>
+                  <a:srgbClr val="100E0C"/>
+                </a:solidFill>
+              </a:rPr>
+              <a:t>MDI / MDI-X</a:t>
+            </a:r>
+            <a:endParaRPr lang="ru-RU" dirty="0">
+              <a:solidFill>
+                <a:srgbClr val="100E0C"/>
+              </a:solidFill>
+            </a:endParaRPr>
+          </a:p>
+        </p:txBody>
+      </p:sp>
+      <p:pic>
+        <p:nvPicPr>
+          <p:cNvPr id="178178" name="Picture 2" descr="https://upload.wikimedia.org/wikipedia/commons/thumb/3/3b/Supermicro_AOC-SGP-I2_Gigabit_Ethernet_NIC%2C_PCI-Express_x4_card.jpg/220px-Supermicro_AOC-SGP-I2_Gigabit_Ethernet_NIC%2C_PCI-Express_x4_card.jpg"/>
+          <p:cNvPicPr>
+            <a:picLocks noChangeAspect="1" noChangeArrowheads="1"/>
+          </p:cNvPicPr>
+          <p:nvPr/>
+        </p:nvPicPr>
+        <p:blipFill>
+          <a:blip r:embed="rId2">
+            <a:extLst>
+              <a:ext uri="{28A0092B-C50C-407E-A947-70E740481C1C}">
+                <a14:useLocalDpi xmlns:a14="http://schemas.microsoft.com/office/drawing/2010/main" val="0"/>
+              </a:ext>
+            </a:extLst>
+          </a:blip>
+          <a:srcRect/>
+          <a:stretch>
+            <a:fillRect/>
+          </a:stretch>
+        </p:blipFill>
+        <p:spPr bwMode="auto">
+          <a:xfrm>
+            <a:off x="5456237" y="2204864"/>
+            <a:ext cx="3168352" cy="2045027"/>
+          </a:xfrm>
+          <a:prstGeom prst="rect">
+            <a:avLst/>
+          </a:prstGeom>
+          <a:noFill/>
+          <a:extLst>
+            <a:ext uri="{909E8E84-426E-40DD-AFC4-6F175D3DCCD1}">
+              <a14:hiddenFill xmlns:a14="http://schemas.microsoft.com/office/drawing/2010/main">
+                <a:solidFill>
+                  <a:srgbClr val="FFFFFF"/>
+                </a:solidFill>
+              </a14:hiddenFill>
+            </a:ext>
+          </a:extLst>
+        </p:spPr>
+      </p:pic>
+    </p:spTree>
+    <p:extLst>
+      <p:ext uri="{BB962C8B-B14F-4D97-AF65-F5344CB8AC3E}">
+        <p14:creationId xmlns:p14="http://schemas.microsoft.com/office/powerpoint/2010/main" val="1513513959"/>
+      </p:ext>
+    </p:extLst>
+  </p:cSld>
+  <p:clrMapOvr>
+    <a:masterClrMapping/>
+  </p:clrMapOvr>
+  <p:timing>
+    <p:tnLst>
+      <p:par>
+        <p:cTn id="1" dur="indefinite" restart="never" nodeType="tmRoot"/>
+      </p:par>
+    </p:tnLst>
+  </p:timing>
+</p:sld>
+</file>
+
+<file path=ppt/slides/slide22.xml><?xml version="1.0" encoding="utf-8"?>
+<p:sld xmlns:a="http://schemas.openxmlformats.org/drawingml/2006/main" xmlns:r="http://schemas.openxmlformats.org/officeDocument/2006/relationships" xmlns:p="http://schemas.openxmlformats.org/presentationml/2006/main">
+  <p:cSld>
+    <p:spTree>
+      <p:nvGrpSpPr>
+        <p:cNvPr id="1" name=""/>
+        <p:cNvGrpSpPr/>
+        <p:nvPr/>
+      </p:nvGrpSpPr>
+      <p:grpSpPr>
+        <a:xfrm>
+          <a:off x="0" y="0"/>
+          <a:ext cx="0" cy="0"/>
+          <a:chOff x="0" y="0"/>
+          <a:chExt cx="0" cy="0"/>
+        </a:xfrm>
+      </p:grpSpPr>
+      <p:sp>
+        <p:nvSpPr>
+          <p:cNvPr id="19" name="Заголовок 1"/>
+          <p:cNvSpPr txBox="1">
+            <a:spLocks/>
+          </p:cNvSpPr>
+          <p:nvPr/>
+        </p:nvSpPr>
+        <p:spPr>
+          <a:xfrm>
+            <a:off x="0" y="752872"/>
+            <a:ext cx="9144000" cy="947936"/>
+          </a:xfrm>
+          <a:prstGeom prst="rect">
+            <a:avLst/>
+          </a:prstGeom>
+        </p:spPr>
+        <p:txBody>
+          <a:bodyPr/>
+          <a:lstStyle>
+            <a:lvl1pPr algn="l" rtl="0" fontAlgn="base">
+              <a:spcBef>
+                <a:spcPct val="0"/>
+              </a:spcBef>
+              <a:spcAft>
+                <a:spcPct val="0"/>
+              </a:spcAft>
+              <a:defRPr sz="4400">
+                <a:solidFill>
+                  <a:schemeClr val="tx2"/>
+                </a:solidFill>
+                <a:latin typeface="+mj-lt"/>
+                <a:ea typeface="+mj-ea"/>
+                <a:cs typeface="+mj-cs"/>
+              </a:defRPr>
+            </a:lvl1pPr>
+            <a:lvl2pPr algn="l" rtl="0" fontAlgn="base">
+              <a:spcBef>
+                <a:spcPct val="0"/>
+              </a:spcBef>
+              <a:spcAft>
+                <a:spcPct val="0"/>
+              </a:spcAft>
+              <a:defRPr sz="4400">
+                <a:solidFill>
+                  <a:schemeClr val="tx2"/>
+                </a:solidFill>
+                <a:latin typeface="Times New Roman" pitchFamily="18" charset="0"/>
+              </a:defRPr>
+            </a:lvl2pPr>
+            <a:lvl3pPr algn="l" rtl="0" fontAlgn="base">
+              <a:spcBef>
+                <a:spcPct val="0"/>
+              </a:spcBef>
+              <a:spcAft>
+                <a:spcPct val="0"/>
+              </a:spcAft>
+              <a:defRPr sz="4400">
+                <a:solidFill>
+                  <a:schemeClr val="tx2"/>
+                </a:solidFill>
+                <a:latin typeface="Times New Roman" pitchFamily="18" charset="0"/>
+              </a:defRPr>
+            </a:lvl3pPr>
+            <a:lvl4pPr algn="l" rtl="0" fontAlgn="base">
+              <a:spcBef>
+                <a:spcPct val="0"/>
+              </a:spcBef>
+              <a:spcAft>
+                <a:spcPct val="0"/>
+              </a:spcAft>
+              <a:defRPr sz="4400">
+                <a:solidFill>
+                  <a:schemeClr val="tx2"/>
+                </a:solidFill>
+                <a:latin typeface="Times New Roman" pitchFamily="18" charset="0"/>
+              </a:defRPr>
+            </a:lvl4pPr>
+            <a:lvl5pPr algn="l" rtl="0" fontAlgn="base">
+              <a:spcBef>
+                <a:spcPct val="0"/>
+              </a:spcBef>
+              <a:spcAft>
+                <a:spcPct val="0"/>
+              </a:spcAft>
+              <a:defRPr sz="4400">
+                <a:solidFill>
+                  <a:schemeClr val="tx2"/>
+                </a:solidFill>
+                <a:latin typeface="Times New Roman" pitchFamily="18" charset="0"/>
+              </a:defRPr>
+            </a:lvl5pPr>
+            <a:lvl6pPr marL="457200" algn="l" rtl="0" fontAlgn="base">
+              <a:spcBef>
+                <a:spcPct val="0"/>
+              </a:spcBef>
+              <a:spcAft>
+                <a:spcPct val="0"/>
+              </a:spcAft>
+              <a:defRPr sz="4400">
+                <a:solidFill>
+                  <a:schemeClr val="tx2"/>
+                </a:solidFill>
+                <a:latin typeface="Times New Roman" pitchFamily="18" charset="0"/>
+              </a:defRPr>
+            </a:lvl6pPr>
+            <a:lvl7pPr marL="914400" algn="l" rtl="0" fontAlgn="base">
+              <a:spcBef>
+                <a:spcPct val="0"/>
+              </a:spcBef>
+              <a:spcAft>
+                <a:spcPct val="0"/>
+              </a:spcAft>
+              <a:defRPr sz="4400">
+                <a:solidFill>
+                  <a:schemeClr val="tx2"/>
+                </a:solidFill>
+                <a:latin typeface="Times New Roman" pitchFamily="18" charset="0"/>
+              </a:defRPr>
+            </a:lvl7pPr>
+            <a:lvl8pPr marL="1371600" algn="l" rtl="0" fontAlgn="base">
+              <a:spcBef>
+                <a:spcPct val="0"/>
+              </a:spcBef>
+              <a:spcAft>
+                <a:spcPct val="0"/>
+              </a:spcAft>
+              <a:defRPr sz="4400">
+                <a:solidFill>
+                  <a:schemeClr val="tx2"/>
+                </a:solidFill>
+                <a:latin typeface="Times New Roman" pitchFamily="18" charset="0"/>
+              </a:defRPr>
+            </a:lvl8pPr>
+            <a:lvl9pPr marL="1828800" algn="l" rtl="0" fontAlgn="base">
+              <a:spcBef>
+                <a:spcPct val="0"/>
+              </a:spcBef>
+              <a:spcAft>
+                <a:spcPct val="0"/>
+              </a:spcAft>
+              <a:defRPr sz="4400">
+                <a:solidFill>
+                  <a:schemeClr val="tx2"/>
+                </a:solidFill>
+                <a:latin typeface="Times New Roman" pitchFamily="18" charset="0"/>
+              </a:defRPr>
+            </a:lvl9pPr>
+          </a:lstStyle>
+          <a:p>
+            <a:pPr algn="ctr">
+              <a:buClrTx/>
+              <a:buSzTx/>
+              <a:buFontTx/>
+              <a:buNone/>
+            </a:pPr>
+            <a:r>
+              <a:rPr kumimoji="0" lang="ru-RU" altLang="ru-RU" b="1" kern="0" dirty="0" smtClean="0"/>
+              <a:t>Дуплексный режим</a:t>
+            </a:r>
+            <a:endParaRPr kumimoji="0" lang="en-US" altLang="ru-RU" b="1" kern="0" dirty="0" smtClean="0"/>
+          </a:p>
+        </p:txBody>
+      </p:sp>
+      <p:graphicFrame>
+        <p:nvGraphicFramePr>
+          <p:cNvPr id="2" name="Объект 1"/>
+          <p:cNvGraphicFramePr>
+            <a:graphicFrameLocks noChangeAspect="1"/>
+          </p:cNvGraphicFramePr>
+          <p:nvPr>
+            <p:extLst>
+              <p:ext uri="{D42A27DB-BD31-4B8C-83A1-F6EECF244321}">
+                <p14:modId xmlns:p14="http://schemas.microsoft.com/office/powerpoint/2010/main" val="34413747"/>
+              </p:ext>
+            </p:extLst>
+          </p:nvPr>
+        </p:nvGraphicFramePr>
+        <p:xfrm>
+          <a:off x="899592" y="1412776"/>
+          <a:ext cx="7089775" cy="5221288"/>
+        </p:xfrm>
+        <a:graphic>
+          <a:graphicData uri="http://schemas.openxmlformats.org/presentationml/2006/ole">
+            <mc:AlternateContent xmlns:mc="http://schemas.openxmlformats.org/markup-compatibility/2006">
+              <mc:Choice xmlns:v="urn:schemas-microsoft-com:vml" Requires="v">
+                <p:oleObj spid="_x0000_s180231" name="CorelDRAW" r:id="rId3" imgW="2946502" imgH="2169566" progId="CorelDRAW.Graphic.11">
+                  <p:embed/>
+                </p:oleObj>
+              </mc:Choice>
+              <mc:Fallback>
+                <p:oleObj name="CorelDRAW" r:id="rId3" imgW="2946502" imgH="2169566" progId="CorelDRAW.Graphic.11">
+                  <p:embed/>
+                  <p:pic>
+                    <p:nvPicPr>
+                      <p:cNvPr id="0" name="Object 4"/>
+                      <p:cNvPicPr>
+                        <a:picLocks noChangeAspect="1" noChangeArrowheads="1"/>
+                      </p:cNvPicPr>
+                      <p:nvPr/>
+                    </p:nvPicPr>
+                    <p:blipFill>
+                      <a:blip r:embed="rId4">
+                        <a:extLst>
+                          <a:ext uri="{28A0092B-C50C-407E-A947-70E740481C1C}">
+                            <a14:useLocalDpi xmlns:a14="http://schemas.microsoft.com/office/drawing/2010/main" val="0"/>
+                          </a:ext>
+                        </a:extLst>
+                      </a:blip>
+                      <a:srcRect/>
+                      <a:stretch>
+                        <a:fillRect/>
+                      </a:stretch>
+                    </p:blipFill>
+                    <p:spPr bwMode="auto">
+                      <a:xfrm>
+                        <a:off x="899592" y="1412776"/>
+                        <a:ext cx="7089775" cy="5221288"/>
+                      </a:xfrm>
+                      <a:prstGeom prst="rect">
+                        <a:avLst/>
+                      </a:prstGeom>
+                      <a:noFill/>
+                      <a:ln>
+                        <a:noFill/>
+                      </a:ln>
+                      <a:effectLst/>
+                      <a:extLst>
+                        <a:ext uri="{909E8E84-426E-40DD-AFC4-6F175D3DCCD1}">
+                          <a14:hiddenFill xmlns:a14="http://schemas.microsoft.com/office/drawing/2010/main">
+                            <a:solidFill>
+                              <a:schemeClr val="accent1"/>
+                            </a:solidFill>
+                          </a14:hiddenFill>
+                        </a:ext>
+                        <a:ext uri="{91240B29-F687-4F45-9708-019B960494DF}">
+                          <a14:hiddenLine xmlns:a14="http://schemas.microsoft.com/office/drawing/2010/main" w="9525">
+                            <a:solidFill>
+                              <a:schemeClr val="tx1"/>
+                            </a:solidFill>
+                            <a:miter lim="800000"/>
+                            <a:headEnd/>
+                            <a:tailEnd/>
+                          </a14:hiddenLine>
+                        </a:ext>
+                        <a:ext uri="{AF507438-7753-43E0-B8FC-AC1667EBCBE1}">
+                          <a14:hiddenEffects xmlns:a14="http://schemas.microsoft.com/office/drawing/2010/main">
+                            <a:effectLst>
+                              <a:outerShdw dist="35921" dir="2700000" algn="ctr" rotWithShape="0">
+                                <a:schemeClr val="bg2"/>
+                              </a:outerShdw>
+                            </a:effectLst>
+                          </a14:hiddenEffects>
+                        </a:ext>
+                      </a:extLst>
+                    </p:spPr>
+                  </p:pic>
+                </p:oleObj>
+              </mc:Fallback>
+            </mc:AlternateContent>
+          </a:graphicData>
+        </a:graphic>
+      </p:graphicFrame>
+    </p:spTree>
+    <p:extLst>
+      <p:ext uri="{BB962C8B-B14F-4D97-AF65-F5344CB8AC3E}">
+        <p14:creationId xmlns:p14="http://schemas.microsoft.com/office/powerpoint/2010/main" val="3584922435"/>
+      </p:ext>
+    </p:extLst>
+  </p:cSld>
+  <p:clrMapOvr>
+    <a:masterClrMapping/>
+  </p:clrMapOvr>
+  <p:timing>
+    <p:tnLst>
+      <p:par>
+        <p:cTn id="1" dur="indefinite" restart="never" nodeType="tmRoot"/>
+      </p:par>
+    </p:tnLst>
+  </p:timing>
+</p:sld>
+</file>
+
+<file path=ppt/slides/slide23.xml><?xml version="1.0" encoding="utf-8"?>
+<p:sld xmlns:a="http://schemas.openxmlformats.org/drawingml/2006/main" xmlns:r="http://schemas.openxmlformats.org/officeDocument/2006/relationships" xmlns:p="http://schemas.openxmlformats.org/presentationml/2006/main">
+  <p:cSld>
+    <p:spTree>
+      <p:nvGrpSpPr>
+        <p:cNvPr id="1" name=""/>
+        <p:cNvGrpSpPr/>
+        <p:nvPr/>
+      </p:nvGrpSpPr>
+      <p:grpSpPr>
+        <a:xfrm>
+          <a:off x="0" y="0"/>
+          <a:ext cx="0" cy="0"/>
+          <a:chOff x="0" y="0"/>
+          <a:chExt cx="0" cy="0"/>
+        </a:xfrm>
+      </p:grpSpPr>
+      <p:pic>
+        <p:nvPicPr>
+          <p:cNvPr id="179202" name="Picture 2" descr="Картинки по запросу pam-5"/>
+          <p:cNvPicPr>
+            <a:picLocks noChangeAspect="1" noChangeArrowheads="1"/>
+          </p:cNvPicPr>
+          <p:nvPr/>
+        </p:nvPicPr>
+        <p:blipFill>
+          <a:blip r:embed="rId2">
+            <a:extLst>
+              <a:ext uri="{28A0092B-C50C-407E-A947-70E740481C1C}">
+                <a14:useLocalDpi xmlns:a14="http://schemas.microsoft.com/office/drawing/2010/main" val="0"/>
+              </a:ext>
+            </a:extLst>
+          </a:blip>
+          <a:srcRect/>
+          <a:stretch>
+            <a:fillRect/>
+          </a:stretch>
+        </p:blipFill>
+        <p:spPr bwMode="auto">
+          <a:xfrm>
+            <a:off x="3910144" y="3316213"/>
+            <a:ext cx="5007066" cy="3312368"/>
+          </a:xfrm>
+          <a:prstGeom prst="rect">
+            <a:avLst/>
+          </a:prstGeom>
+          <a:noFill/>
+          <a:extLst>
+            <a:ext uri="{909E8E84-426E-40DD-AFC4-6F175D3DCCD1}">
+              <a14:hiddenFill xmlns:a14="http://schemas.microsoft.com/office/drawing/2010/main">
+                <a:solidFill>
+                  <a:srgbClr val="FFFFFF"/>
+                </a:solidFill>
+              </a14:hiddenFill>
+            </a:ext>
+          </a:extLst>
+        </p:spPr>
+      </p:pic>
+      <p:sp>
+        <p:nvSpPr>
+          <p:cNvPr id="19" name="Заголовок 1"/>
+          <p:cNvSpPr txBox="1">
+            <a:spLocks/>
+          </p:cNvSpPr>
+          <p:nvPr/>
+        </p:nvSpPr>
+        <p:spPr>
+          <a:xfrm>
+            <a:off x="0" y="752872"/>
+            <a:ext cx="9144000" cy="947936"/>
+          </a:xfrm>
+          <a:prstGeom prst="rect">
+            <a:avLst/>
+          </a:prstGeom>
+        </p:spPr>
+        <p:txBody>
+          <a:bodyPr/>
+          <a:lstStyle>
+            <a:lvl1pPr algn="l" rtl="0" fontAlgn="base">
+              <a:spcBef>
+                <a:spcPct val="0"/>
+              </a:spcBef>
+              <a:spcAft>
+                <a:spcPct val="0"/>
+              </a:spcAft>
+              <a:defRPr sz="4400">
+                <a:solidFill>
+                  <a:schemeClr val="tx2"/>
+                </a:solidFill>
+                <a:latin typeface="+mj-lt"/>
+                <a:ea typeface="+mj-ea"/>
+                <a:cs typeface="+mj-cs"/>
+              </a:defRPr>
+            </a:lvl1pPr>
+            <a:lvl2pPr algn="l" rtl="0" fontAlgn="base">
+              <a:spcBef>
+                <a:spcPct val="0"/>
+              </a:spcBef>
+              <a:spcAft>
+                <a:spcPct val="0"/>
+              </a:spcAft>
+              <a:defRPr sz="4400">
+                <a:solidFill>
+                  <a:schemeClr val="tx2"/>
+                </a:solidFill>
+                <a:latin typeface="Times New Roman" pitchFamily="18" charset="0"/>
+              </a:defRPr>
+            </a:lvl2pPr>
+            <a:lvl3pPr algn="l" rtl="0" fontAlgn="base">
+              <a:spcBef>
+                <a:spcPct val="0"/>
+              </a:spcBef>
+              <a:spcAft>
+                <a:spcPct val="0"/>
+              </a:spcAft>
+              <a:defRPr sz="4400">
+                <a:solidFill>
+                  <a:schemeClr val="tx2"/>
+                </a:solidFill>
+                <a:latin typeface="Times New Roman" pitchFamily="18" charset="0"/>
+              </a:defRPr>
+            </a:lvl3pPr>
+            <a:lvl4pPr algn="l" rtl="0" fontAlgn="base">
+              <a:spcBef>
+                <a:spcPct val="0"/>
+              </a:spcBef>
+              <a:spcAft>
+                <a:spcPct val="0"/>
+              </a:spcAft>
+              <a:defRPr sz="4400">
+                <a:solidFill>
+                  <a:schemeClr val="tx2"/>
+                </a:solidFill>
+                <a:latin typeface="Times New Roman" pitchFamily="18" charset="0"/>
+              </a:defRPr>
+            </a:lvl4pPr>
+            <a:lvl5pPr algn="l" rtl="0" fontAlgn="base">
+              <a:spcBef>
+                <a:spcPct val="0"/>
+              </a:spcBef>
+              <a:spcAft>
+                <a:spcPct val="0"/>
+              </a:spcAft>
+              <a:defRPr sz="4400">
+                <a:solidFill>
+                  <a:schemeClr val="tx2"/>
+                </a:solidFill>
+                <a:latin typeface="Times New Roman" pitchFamily="18" charset="0"/>
+              </a:defRPr>
+            </a:lvl5pPr>
+            <a:lvl6pPr marL="457200" algn="l" rtl="0" fontAlgn="base">
+              <a:spcBef>
+                <a:spcPct val="0"/>
+              </a:spcBef>
+              <a:spcAft>
+                <a:spcPct val="0"/>
+              </a:spcAft>
+              <a:defRPr sz="4400">
+                <a:solidFill>
+                  <a:schemeClr val="tx2"/>
+                </a:solidFill>
+                <a:latin typeface="Times New Roman" pitchFamily="18" charset="0"/>
+              </a:defRPr>
+            </a:lvl6pPr>
+            <a:lvl7pPr marL="914400" algn="l" rtl="0" fontAlgn="base">
+              <a:spcBef>
+                <a:spcPct val="0"/>
+              </a:spcBef>
+              <a:spcAft>
+                <a:spcPct val="0"/>
+              </a:spcAft>
+              <a:defRPr sz="4400">
+                <a:solidFill>
+                  <a:schemeClr val="tx2"/>
+                </a:solidFill>
+                <a:latin typeface="Times New Roman" pitchFamily="18" charset="0"/>
+              </a:defRPr>
+            </a:lvl7pPr>
+            <a:lvl8pPr marL="1371600" algn="l" rtl="0" fontAlgn="base">
+              <a:spcBef>
+                <a:spcPct val="0"/>
+              </a:spcBef>
+              <a:spcAft>
+                <a:spcPct val="0"/>
+              </a:spcAft>
+              <a:defRPr sz="4400">
+                <a:solidFill>
+                  <a:schemeClr val="tx2"/>
+                </a:solidFill>
+                <a:latin typeface="Times New Roman" pitchFamily="18" charset="0"/>
+              </a:defRPr>
+            </a:lvl8pPr>
+            <a:lvl9pPr marL="1828800" algn="l" rtl="0" fontAlgn="base">
+              <a:spcBef>
+                <a:spcPct val="0"/>
+              </a:spcBef>
+              <a:spcAft>
+                <a:spcPct val="0"/>
+              </a:spcAft>
+              <a:defRPr sz="4400">
+                <a:solidFill>
+                  <a:schemeClr val="tx2"/>
+                </a:solidFill>
+                <a:latin typeface="Times New Roman" pitchFamily="18" charset="0"/>
+              </a:defRPr>
+            </a:lvl9pPr>
+          </a:lstStyle>
+          <a:p>
+            <a:pPr algn="ctr">
+              <a:buClrTx/>
+              <a:buSzTx/>
+              <a:buFontTx/>
+              <a:buNone/>
+            </a:pPr>
+            <a:r>
+              <a:rPr kumimoji="0" lang="ru-RU" altLang="ru-RU" b="1" kern="0" dirty="0" smtClean="0"/>
+              <a:t>Кодирование </a:t>
+            </a:r>
+            <a:r>
+              <a:rPr kumimoji="0" lang="en-US" altLang="ru-RU" b="1" kern="0" dirty="0" smtClean="0"/>
+              <a:t>PAM-5</a:t>
+            </a:r>
+          </a:p>
+        </p:txBody>
+      </p:sp>
+      <p:sp>
+        <p:nvSpPr>
+          <p:cNvPr id="3" name="TextBox 2"/>
+          <p:cNvSpPr txBox="1"/>
+          <p:nvPr/>
+        </p:nvSpPr>
+        <p:spPr>
+          <a:xfrm>
+            <a:off x="611560" y="1484784"/>
+            <a:ext cx="4760912" cy="2616101"/>
+          </a:xfrm>
+          <a:prstGeom prst="rect">
+            <a:avLst/>
+          </a:prstGeom>
+          <a:noFill/>
+        </p:spPr>
+        <p:txBody>
+          <a:bodyPr wrap="square" rtlCol="0">
+            <a:spAutoFit/>
+          </a:bodyPr>
+          <a:lstStyle/>
+          <a:p>
+            <a:r>
+              <a:rPr lang="en-US" dirty="0" smtClean="0"/>
+              <a:t>Pulse Amplitude Modulation</a:t>
+            </a:r>
+          </a:p>
+          <a:p>
+            <a:r>
+              <a:rPr lang="en-US" dirty="0" smtClean="0"/>
+              <a:t>5 </a:t>
+            </a:r>
+            <a:r>
+              <a:rPr lang="ru-RU" dirty="0" smtClean="0"/>
+              <a:t>уровней сигнала</a:t>
+            </a:r>
+          </a:p>
+          <a:p>
+            <a:r>
+              <a:rPr lang="en-US" dirty="0"/>
+              <a:t>l</a:t>
+            </a:r>
+            <a:r>
+              <a:rPr lang="en-US" dirty="0" smtClean="0"/>
+              <a:t>og</a:t>
+            </a:r>
+            <a:r>
+              <a:rPr lang="en-US" baseline="-25000" dirty="0" smtClean="0"/>
+              <a:t>2</a:t>
+            </a:r>
+            <a:r>
+              <a:rPr lang="en-US" dirty="0" smtClean="0"/>
+              <a:t>5 = </a:t>
+            </a:r>
+            <a:r>
+              <a:rPr lang="ru-RU" dirty="0" smtClean="0"/>
+              <a:t>2.322 бита / такт</a:t>
+            </a:r>
+          </a:p>
+          <a:p>
+            <a:r>
+              <a:rPr lang="ru-RU" dirty="0" smtClean="0"/>
+              <a:t>Тактовая частота 125 МГц</a:t>
+            </a:r>
+          </a:p>
+          <a:p>
+            <a:r>
+              <a:rPr lang="ru-RU" dirty="0" smtClean="0"/>
+              <a:t>Используются не все комбинации </a:t>
+            </a:r>
+            <a:r>
+              <a:rPr lang="en-US" dirty="0" smtClean="0"/>
+              <a:t>PAM5</a:t>
+            </a:r>
+          </a:p>
+          <a:p>
+            <a:pPr lvl="1"/>
+            <a:r>
+              <a:rPr lang="en-US" dirty="0" smtClean="0"/>
+              <a:t>8 </a:t>
+            </a:r>
+            <a:r>
+              <a:rPr lang="ru-RU" dirty="0" smtClean="0"/>
+              <a:t>бит из 2.322 * 4 = 9.288</a:t>
+            </a:r>
+            <a:endParaRPr lang="en-US" dirty="0" smtClean="0"/>
+          </a:p>
+          <a:p>
+            <a:pPr lvl="1"/>
+            <a:r>
+              <a:rPr lang="ru-RU" dirty="0" smtClean="0"/>
+              <a:t>Контроль и управление</a:t>
+            </a:r>
+            <a:endParaRPr lang="ru-RU" dirty="0"/>
+          </a:p>
+        </p:txBody>
+      </p:sp>
+    </p:spTree>
+    <p:extLst>
+      <p:ext uri="{BB962C8B-B14F-4D97-AF65-F5344CB8AC3E}">
+        <p14:creationId xmlns:p14="http://schemas.microsoft.com/office/powerpoint/2010/main" val="1446557466"/>
+      </p:ext>
+    </p:extLst>
+  </p:cSld>
+  <p:clrMapOvr>
+    <a:masterClrMapping/>
+  </p:clrMapOvr>
+  <p:timing>
+    <p:tnLst>
+      <p:par>
+        <p:cTn id="1" dur="indefinite" restart="never" nodeType="tmRoot"/>
+      </p:par>
+    </p:tnLst>
+  </p:timing>
+</p:sld>
+</file>
+
+<file path=ppt/slides/slide24.xml><?xml version="1.0" encoding="utf-8"?>
+<p:sld xmlns:a="http://schemas.openxmlformats.org/drawingml/2006/main" xmlns:r="http://schemas.openxmlformats.org/officeDocument/2006/relationships" xmlns:p="http://schemas.openxmlformats.org/presentationml/2006/main">
+  <p:cSld>
+    <p:spTree>
+      <p:nvGrpSpPr>
+        <p:cNvPr id="1" name=""/>
+        <p:cNvGrpSpPr/>
+        <p:nvPr/>
+      </p:nvGrpSpPr>
+      <p:grpSpPr>
+        <a:xfrm>
+          <a:off x="0" y="0"/>
+          <a:ext cx="0" cy="0"/>
+          <a:chOff x="0" y="0"/>
+          <a:chExt cx="0" cy="0"/>
+        </a:xfrm>
+      </p:grpSpPr>
+      <p:sp>
+        <p:nvSpPr>
+          <p:cNvPr id="19" name="Заголовок 1"/>
+          <p:cNvSpPr txBox="1">
+            <a:spLocks/>
+          </p:cNvSpPr>
+          <p:nvPr/>
+        </p:nvSpPr>
+        <p:spPr>
+          <a:xfrm>
+            <a:off x="0" y="752872"/>
+            <a:ext cx="9144000" cy="947936"/>
+          </a:xfrm>
+          <a:prstGeom prst="rect">
+            <a:avLst/>
+          </a:prstGeom>
+        </p:spPr>
+        <p:txBody>
+          <a:bodyPr/>
+          <a:lstStyle>
+            <a:lvl1pPr algn="l" rtl="0" fontAlgn="base">
+              <a:spcBef>
+                <a:spcPct val="0"/>
+              </a:spcBef>
+              <a:spcAft>
+                <a:spcPct val="0"/>
+              </a:spcAft>
+              <a:defRPr sz="4400">
+                <a:solidFill>
+                  <a:schemeClr val="tx2"/>
+                </a:solidFill>
+                <a:latin typeface="+mj-lt"/>
+                <a:ea typeface="+mj-ea"/>
+                <a:cs typeface="+mj-cs"/>
+              </a:defRPr>
+            </a:lvl1pPr>
+            <a:lvl2pPr algn="l" rtl="0" fontAlgn="base">
+              <a:spcBef>
+                <a:spcPct val="0"/>
+              </a:spcBef>
+              <a:spcAft>
+                <a:spcPct val="0"/>
+              </a:spcAft>
+              <a:defRPr sz="4400">
+                <a:solidFill>
+                  <a:schemeClr val="tx2"/>
+                </a:solidFill>
+                <a:latin typeface="Times New Roman" pitchFamily="18" charset="0"/>
+              </a:defRPr>
+            </a:lvl2pPr>
+            <a:lvl3pPr algn="l" rtl="0" fontAlgn="base">
+              <a:spcBef>
+                <a:spcPct val="0"/>
+              </a:spcBef>
+              <a:spcAft>
+                <a:spcPct val="0"/>
+              </a:spcAft>
+              <a:defRPr sz="4400">
+                <a:solidFill>
+                  <a:schemeClr val="tx2"/>
+                </a:solidFill>
+                <a:latin typeface="Times New Roman" pitchFamily="18" charset="0"/>
+              </a:defRPr>
+            </a:lvl3pPr>
+            <a:lvl4pPr algn="l" rtl="0" fontAlgn="base">
+              <a:spcBef>
+                <a:spcPct val="0"/>
+              </a:spcBef>
+              <a:spcAft>
+                <a:spcPct val="0"/>
+              </a:spcAft>
+              <a:defRPr sz="4400">
+                <a:solidFill>
+                  <a:schemeClr val="tx2"/>
+                </a:solidFill>
+                <a:latin typeface="Times New Roman" pitchFamily="18" charset="0"/>
+              </a:defRPr>
+            </a:lvl4pPr>
+            <a:lvl5pPr algn="l" rtl="0" fontAlgn="base">
+              <a:spcBef>
+                <a:spcPct val="0"/>
+              </a:spcBef>
+              <a:spcAft>
+                <a:spcPct val="0"/>
+              </a:spcAft>
+              <a:defRPr sz="4400">
+                <a:solidFill>
+                  <a:schemeClr val="tx2"/>
+                </a:solidFill>
+                <a:latin typeface="Times New Roman" pitchFamily="18" charset="0"/>
+              </a:defRPr>
+            </a:lvl5pPr>
+            <a:lvl6pPr marL="457200" algn="l" rtl="0" fontAlgn="base">
+              <a:spcBef>
+                <a:spcPct val="0"/>
+              </a:spcBef>
+              <a:spcAft>
+                <a:spcPct val="0"/>
+              </a:spcAft>
+              <a:defRPr sz="4400">
+                <a:solidFill>
+                  <a:schemeClr val="tx2"/>
+                </a:solidFill>
+                <a:latin typeface="Times New Roman" pitchFamily="18" charset="0"/>
+              </a:defRPr>
+            </a:lvl6pPr>
+            <a:lvl7pPr marL="914400" algn="l" rtl="0" fontAlgn="base">
+              <a:spcBef>
+                <a:spcPct val="0"/>
+              </a:spcBef>
+              <a:spcAft>
+                <a:spcPct val="0"/>
+              </a:spcAft>
+              <a:defRPr sz="4400">
+                <a:solidFill>
+                  <a:schemeClr val="tx2"/>
+                </a:solidFill>
+                <a:latin typeface="Times New Roman" pitchFamily="18" charset="0"/>
+              </a:defRPr>
+            </a:lvl7pPr>
+            <a:lvl8pPr marL="1371600" algn="l" rtl="0" fontAlgn="base">
+              <a:spcBef>
+                <a:spcPct val="0"/>
+              </a:spcBef>
+              <a:spcAft>
+                <a:spcPct val="0"/>
+              </a:spcAft>
+              <a:defRPr sz="4400">
+                <a:solidFill>
+                  <a:schemeClr val="tx2"/>
+                </a:solidFill>
+                <a:latin typeface="Times New Roman" pitchFamily="18" charset="0"/>
+              </a:defRPr>
+            </a:lvl8pPr>
+            <a:lvl9pPr marL="1828800" algn="l" rtl="0" fontAlgn="base">
+              <a:spcBef>
+                <a:spcPct val="0"/>
+              </a:spcBef>
+              <a:spcAft>
+                <a:spcPct val="0"/>
+              </a:spcAft>
+              <a:defRPr sz="4400">
+                <a:solidFill>
+                  <a:schemeClr val="tx2"/>
+                </a:solidFill>
+                <a:latin typeface="Times New Roman" pitchFamily="18" charset="0"/>
+              </a:defRPr>
+            </a:lvl9pPr>
+          </a:lstStyle>
+          <a:p>
+            <a:pPr algn="ctr">
+              <a:spcBef>
+                <a:spcPct val="50000"/>
+              </a:spcBef>
+              <a:buNone/>
+            </a:pPr>
+            <a:r>
+              <a:rPr lang="ru-RU" altLang="ru-RU" b="1" dirty="0">
+                <a:latin typeface="Arial" pitchFamily="34" charset="0"/>
+              </a:rPr>
+              <a:t>Семейство </a:t>
+            </a:r>
+            <a:r>
+              <a:rPr lang="en-US" altLang="ru-RU" b="1" dirty="0">
+                <a:latin typeface="Arial" pitchFamily="34" charset="0"/>
+              </a:rPr>
+              <a:t>Ethernet </a:t>
+            </a:r>
+            <a:endParaRPr lang="ru-RU" altLang="ru-RU" b="1" dirty="0">
+              <a:latin typeface="Arial" pitchFamily="34" charset="0"/>
+            </a:endParaRPr>
+          </a:p>
+        </p:txBody>
+      </p:sp>
+      <p:grpSp>
+        <p:nvGrpSpPr>
+          <p:cNvPr id="2" name="Группа 1"/>
+          <p:cNvGrpSpPr/>
+          <p:nvPr/>
+        </p:nvGrpSpPr>
+        <p:grpSpPr>
+          <a:xfrm>
+            <a:off x="742950" y="2047875"/>
+            <a:ext cx="8077200" cy="3876713"/>
+            <a:chOff x="-2047875" y="2033588"/>
+            <a:chExt cx="8077200" cy="3876713"/>
+          </a:xfrm>
+        </p:grpSpPr>
+        <p:sp>
+          <p:nvSpPr>
+            <p:cNvPr id="6" name="Text Box 3"/>
+            <p:cNvSpPr txBox="1">
+              <a:spLocks noChangeArrowheads="1"/>
+            </p:cNvSpPr>
+            <p:nvPr/>
+          </p:nvSpPr>
+          <p:spPr bwMode="auto">
+            <a:xfrm>
+              <a:off x="-1590675" y="2033588"/>
+              <a:ext cx="6781800" cy="402291"/>
+            </a:xfrm>
+            <a:prstGeom prst="rect">
+              <a:avLst/>
+            </a:prstGeom>
+            <a:solidFill>
+              <a:schemeClr val="accent2">
+                <a:lumMod val="75000"/>
+              </a:schemeClr>
+            </a:solidFill>
+            <a:ln w="38100">
+              <a:solidFill>
+                <a:schemeClr val="tx1"/>
+              </a:solidFill>
+              <a:miter lim="800000"/>
+              <a:headEnd/>
+              <a:tailEnd/>
+            </a:ln>
+            <a:effectLst/>
+            <a:extLst>
+              <a:ext uri="{AF507438-7753-43E0-B8FC-AC1667EBCBE1}">
+                <a14:hiddenEffects xmlns:a14="http://schemas.microsoft.com/office/drawing/2010/main">
+                  <a:effectLst>
+                    <a:outerShdw dist="35921" dir="2700000" algn="ctr" rotWithShape="0">
+                      <a:schemeClr val="bg2"/>
+                    </a:outerShdw>
+                  </a:effectLst>
+                </a14:hiddenEffects>
+              </a:ext>
+            </a:extLst>
+          </p:spPr>
+          <p:txBody>
+            <a:bodyPr lIns="90000" tIns="46800" rIns="90000" bIns="46800">
+              <a:spAutoFit/>
+            </a:bodyPr>
+            <a:lstStyle/>
+            <a:p>
+              <a:pPr algn="ctr">
+                <a:spcBef>
+                  <a:spcPct val="50000"/>
+                </a:spcBef>
+                <a:buNone/>
+              </a:pPr>
+              <a:r>
+                <a:rPr lang="ru-RU" altLang="ru-RU" dirty="0">
+                  <a:latin typeface="Arial" pitchFamily="34" charset="0"/>
+                </a:rPr>
+                <a:t>Метод доступа </a:t>
+              </a:r>
+              <a:r>
+                <a:rPr lang="en-US" altLang="ru-RU" dirty="0">
+                  <a:latin typeface="Arial" pitchFamily="34" charset="0"/>
+                </a:rPr>
+                <a:t>CDMA/CD </a:t>
+              </a:r>
+              <a:r>
+                <a:rPr lang="ru-RU" altLang="ru-RU" dirty="0">
+                  <a:latin typeface="Arial" pitchFamily="34" charset="0"/>
+                </a:rPr>
+                <a:t>или </a:t>
+              </a:r>
+              <a:r>
+                <a:rPr lang="en-US" altLang="ru-RU" dirty="0">
+                  <a:latin typeface="Arial" pitchFamily="34" charset="0"/>
+                </a:rPr>
+                <a:t>Full Duplex</a:t>
+              </a:r>
+              <a:endParaRPr lang="ru-RU" altLang="ru-RU" dirty="0">
+                <a:latin typeface="Arial" pitchFamily="34" charset="0"/>
+              </a:endParaRPr>
+            </a:p>
+          </p:txBody>
+        </p:sp>
+        <p:sp>
+          <p:nvSpPr>
+            <p:cNvPr id="7" name="Text Box 5"/>
+            <p:cNvSpPr txBox="1">
+              <a:spLocks noChangeArrowheads="1"/>
+            </p:cNvSpPr>
+            <p:nvPr/>
+          </p:nvSpPr>
+          <p:spPr bwMode="auto">
+            <a:xfrm>
+              <a:off x="-1438275" y="3190876"/>
+              <a:ext cx="1219200" cy="371513"/>
+            </a:xfrm>
+            <a:prstGeom prst="rect">
+              <a:avLst/>
+            </a:prstGeom>
+            <a:solidFill>
+              <a:srgbClr val="FFFF00"/>
+            </a:solidFill>
+            <a:ln w="38100">
+              <a:solidFill>
+                <a:schemeClr val="tx1"/>
+              </a:solidFill>
+              <a:miter lim="800000"/>
+              <a:headEnd/>
+              <a:tailEnd/>
+            </a:ln>
+            <a:effectLst/>
+            <a:extLst>
+              <a:ext uri="{AF507438-7753-43E0-B8FC-AC1667EBCBE1}">
+                <a14:hiddenEffects xmlns:a14="http://schemas.microsoft.com/office/drawing/2010/main">
+                  <a:effectLst>
+                    <a:outerShdw dist="35921" dir="2700000" algn="ctr" rotWithShape="0">
+                      <a:schemeClr val="bg2"/>
+                    </a:outerShdw>
+                  </a:effectLst>
+                </a14:hiddenEffects>
+              </a:ext>
+            </a:extLst>
+          </p:spPr>
+          <p:txBody>
+            <a:bodyPr lIns="90000" tIns="46800" rIns="90000" bIns="46800">
+              <a:spAutoFit/>
+            </a:bodyPr>
+            <a:lstStyle/>
+            <a:p>
+              <a:pPr>
+                <a:spcBef>
+                  <a:spcPct val="50000"/>
+                </a:spcBef>
+                <a:buNone/>
+              </a:pPr>
+              <a:r>
+                <a:rPr lang="en-US" altLang="ru-RU" sz="1800" dirty="0">
+                  <a:latin typeface="Arial" pitchFamily="34" charset="0"/>
+                </a:rPr>
+                <a:t>10Base-5</a:t>
+              </a:r>
+              <a:endParaRPr lang="ru-RU" altLang="ru-RU" sz="1800" dirty="0">
+                <a:latin typeface="Arial" pitchFamily="34" charset="0"/>
+              </a:endParaRPr>
+            </a:p>
+          </p:txBody>
+        </p:sp>
+        <p:sp>
+          <p:nvSpPr>
+            <p:cNvPr id="8" name="Text Box 6"/>
+            <p:cNvSpPr txBox="1">
+              <a:spLocks noChangeArrowheads="1"/>
+            </p:cNvSpPr>
+            <p:nvPr/>
+          </p:nvSpPr>
+          <p:spPr bwMode="auto">
+            <a:xfrm>
+              <a:off x="-66675" y="3206751"/>
+              <a:ext cx="1219200" cy="371513"/>
+            </a:xfrm>
+            <a:prstGeom prst="rect">
+              <a:avLst/>
+            </a:prstGeom>
+            <a:solidFill>
+              <a:srgbClr val="FFFF00"/>
+            </a:solidFill>
+            <a:ln w="38100">
+              <a:solidFill>
+                <a:schemeClr val="tx1"/>
+              </a:solidFill>
+              <a:miter lim="800000"/>
+              <a:headEnd/>
+              <a:tailEnd/>
+            </a:ln>
+            <a:effectLst/>
+            <a:extLst>
+              <a:ext uri="{AF507438-7753-43E0-B8FC-AC1667EBCBE1}">
+                <a14:hiddenEffects xmlns:a14="http://schemas.microsoft.com/office/drawing/2010/main">
+                  <a:effectLst>
+                    <a:outerShdw dist="35921" dir="2700000" algn="ctr" rotWithShape="0">
+                      <a:schemeClr val="bg2"/>
+                    </a:outerShdw>
+                  </a:effectLst>
+                </a14:hiddenEffects>
+              </a:ext>
+            </a:extLst>
+          </p:spPr>
+          <p:txBody>
+            <a:bodyPr lIns="90000" tIns="46800" rIns="90000" bIns="46800">
+              <a:spAutoFit/>
+            </a:bodyPr>
+            <a:lstStyle/>
+            <a:p>
+              <a:pPr>
+                <a:spcBef>
+                  <a:spcPct val="50000"/>
+                </a:spcBef>
+                <a:buNone/>
+              </a:pPr>
+              <a:r>
+                <a:rPr lang="en-US" altLang="ru-RU" sz="1800" dirty="0">
+                  <a:latin typeface="Arial" pitchFamily="34" charset="0"/>
+                </a:rPr>
+                <a:t>10Base-2</a:t>
+              </a:r>
+              <a:endParaRPr lang="ru-RU" altLang="ru-RU" sz="1800" dirty="0">
+                <a:latin typeface="Arial" pitchFamily="34" charset="0"/>
+              </a:endParaRPr>
+            </a:p>
+          </p:txBody>
+        </p:sp>
+        <p:sp>
+          <p:nvSpPr>
+            <p:cNvPr id="9" name="Text Box 7"/>
+            <p:cNvSpPr txBox="1">
+              <a:spLocks noChangeArrowheads="1"/>
+            </p:cNvSpPr>
+            <p:nvPr/>
+          </p:nvSpPr>
+          <p:spPr bwMode="auto">
+            <a:xfrm>
+              <a:off x="1381125" y="3228976"/>
+              <a:ext cx="1219200" cy="371513"/>
+            </a:xfrm>
+            <a:prstGeom prst="rect">
+              <a:avLst/>
+            </a:prstGeom>
+            <a:solidFill>
+              <a:srgbClr val="00B0F0"/>
+            </a:solidFill>
+            <a:ln w="38100">
+              <a:solidFill>
+                <a:schemeClr val="tx1"/>
+              </a:solidFill>
+              <a:miter lim="800000"/>
+              <a:headEnd/>
+              <a:tailEnd/>
+            </a:ln>
+            <a:effectLst/>
+            <a:extLst>
+              <a:ext uri="{AF507438-7753-43E0-B8FC-AC1667EBCBE1}">
+                <a14:hiddenEffects xmlns:a14="http://schemas.microsoft.com/office/drawing/2010/main">
+                  <a:effectLst>
+                    <a:outerShdw dist="35921" dir="2700000" algn="ctr" rotWithShape="0">
+                      <a:schemeClr val="bg2"/>
+                    </a:outerShdw>
+                  </a:effectLst>
+                </a14:hiddenEffects>
+              </a:ext>
+            </a:extLst>
+          </p:spPr>
+          <p:txBody>
+            <a:bodyPr lIns="90000" tIns="46800" rIns="90000" bIns="46800">
+              <a:spAutoFit/>
+            </a:bodyPr>
+            <a:lstStyle/>
+            <a:p>
+              <a:pPr>
+                <a:spcBef>
+                  <a:spcPct val="50000"/>
+                </a:spcBef>
+                <a:buNone/>
+              </a:pPr>
+              <a:r>
+                <a:rPr lang="en-US" altLang="ru-RU" sz="1800" dirty="0">
+                  <a:latin typeface="Arial" pitchFamily="34" charset="0"/>
+                </a:rPr>
+                <a:t>10Base-T</a:t>
+              </a:r>
+              <a:endParaRPr lang="ru-RU" altLang="ru-RU" sz="1800" dirty="0">
+                <a:latin typeface="Arial" pitchFamily="34" charset="0"/>
+              </a:endParaRPr>
+            </a:p>
+          </p:txBody>
+        </p:sp>
+        <p:sp>
+          <p:nvSpPr>
+            <p:cNvPr id="10" name="Text Box 8"/>
+            <p:cNvSpPr txBox="1">
+              <a:spLocks noChangeArrowheads="1"/>
+            </p:cNvSpPr>
+            <p:nvPr/>
+          </p:nvSpPr>
+          <p:spPr bwMode="auto">
+            <a:xfrm>
+              <a:off x="2905125" y="3228976"/>
+              <a:ext cx="1371600" cy="371513"/>
+            </a:xfrm>
+            <a:prstGeom prst="rect">
+              <a:avLst/>
+            </a:prstGeom>
+            <a:solidFill>
+              <a:srgbClr val="92D050"/>
+            </a:solidFill>
+            <a:ln w="38100">
+              <a:solidFill>
+                <a:schemeClr val="tx1"/>
+              </a:solidFill>
+              <a:miter lim="800000"/>
+              <a:headEnd/>
+              <a:tailEnd/>
+            </a:ln>
+            <a:effectLst/>
+            <a:extLst>
+              <a:ext uri="{AF507438-7753-43E0-B8FC-AC1667EBCBE1}">
+                <a14:hiddenEffects xmlns:a14="http://schemas.microsoft.com/office/drawing/2010/main">
+                  <a:effectLst>
+                    <a:outerShdw dist="35921" dir="2700000" algn="ctr" rotWithShape="0">
+                      <a:schemeClr val="bg2"/>
+                    </a:outerShdw>
+                  </a:effectLst>
+                </a14:hiddenEffects>
+              </a:ext>
+            </a:extLst>
+          </p:spPr>
+          <p:txBody>
+            <a:bodyPr lIns="90000" tIns="46800" rIns="90000" bIns="46800">
+              <a:spAutoFit/>
+            </a:bodyPr>
+            <a:lstStyle/>
+            <a:p>
+              <a:pPr>
+                <a:spcBef>
+                  <a:spcPct val="50000"/>
+                </a:spcBef>
+                <a:buNone/>
+              </a:pPr>
+              <a:r>
+                <a:rPr lang="en-US" altLang="ru-RU" sz="1800" dirty="0">
+                  <a:latin typeface="Arial" pitchFamily="34" charset="0"/>
+                </a:rPr>
+                <a:t>10Base-FL</a:t>
+              </a:r>
+              <a:endParaRPr lang="ru-RU" altLang="ru-RU" sz="1800" dirty="0">
+                <a:latin typeface="Arial" pitchFamily="34" charset="0"/>
+              </a:endParaRPr>
+            </a:p>
+          </p:txBody>
+        </p:sp>
+        <p:sp>
+          <p:nvSpPr>
+            <p:cNvPr id="11" name="Text Box 9"/>
+            <p:cNvSpPr txBox="1">
+              <a:spLocks noChangeArrowheads="1"/>
+            </p:cNvSpPr>
+            <p:nvPr/>
+          </p:nvSpPr>
+          <p:spPr bwMode="auto">
+            <a:xfrm>
+              <a:off x="4429125" y="3228976"/>
+              <a:ext cx="1371600" cy="371513"/>
+            </a:xfrm>
+            <a:prstGeom prst="rect">
+              <a:avLst/>
+            </a:prstGeom>
+            <a:solidFill>
+              <a:srgbClr val="92D050"/>
+            </a:solidFill>
+            <a:ln w="38100">
+              <a:solidFill>
+                <a:schemeClr val="tx1"/>
+              </a:solidFill>
+              <a:miter lim="800000"/>
+              <a:headEnd/>
+              <a:tailEnd/>
+            </a:ln>
+            <a:effectLst/>
+            <a:extLst>
+              <a:ext uri="{AF507438-7753-43E0-B8FC-AC1667EBCBE1}">
+                <a14:hiddenEffects xmlns:a14="http://schemas.microsoft.com/office/drawing/2010/main">
+                  <a:effectLst>
+                    <a:outerShdw dist="35921" dir="2700000" algn="ctr" rotWithShape="0">
+                      <a:schemeClr val="bg2"/>
+                    </a:outerShdw>
+                  </a:effectLst>
+                </a14:hiddenEffects>
+              </a:ext>
+            </a:extLst>
+          </p:spPr>
+          <p:txBody>
+            <a:bodyPr lIns="90000" tIns="46800" rIns="90000" bIns="46800">
+              <a:spAutoFit/>
+            </a:bodyPr>
+            <a:lstStyle/>
+            <a:p>
+              <a:pPr>
+                <a:spcBef>
+                  <a:spcPct val="50000"/>
+                </a:spcBef>
+                <a:buNone/>
+              </a:pPr>
+              <a:r>
+                <a:rPr lang="en-US" altLang="ru-RU" sz="1800" dirty="0">
+                  <a:latin typeface="Arial" pitchFamily="34" charset="0"/>
+                </a:rPr>
+                <a:t>10Base-FB</a:t>
+              </a:r>
+              <a:endParaRPr lang="ru-RU" altLang="ru-RU" sz="1800" dirty="0">
+                <a:latin typeface="Arial" pitchFamily="34" charset="0"/>
+              </a:endParaRPr>
+            </a:p>
+          </p:txBody>
+        </p:sp>
+        <p:sp>
+          <p:nvSpPr>
+            <p:cNvPr id="12" name="Line 10"/>
+            <p:cNvSpPr>
+              <a:spLocks noChangeShapeType="1"/>
+            </p:cNvSpPr>
+            <p:nvPr/>
+          </p:nvSpPr>
+          <p:spPr bwMode="auto">
+            <a:xfrm>
+              <a:off x="-2047875" y="2719388"/>
+              <a:ext cx="8077200" cy="0"/>
+            </a:xfrm>
+            <a:prstGeom prst="line">
+              <a:avLst/>
+            </a:prstGeom>
+            <a:noFill/>
+            <a:ln w="38100">
+              <a:solidFill>
+                <a:schemeClr val="tx2"/>
+              </a:solidFill>
+              <a:prstDash val="dash"/>
+              <a:round/>
+              <a:headEnd/>
+              <a:tailEnd/>
+            </a:ln>
+            <a:effectLst/>
+            <a:extLst>
+              <a:ext uri="{909E8E84-426E-40DD-AFC4-6F175D3DCCD1}">
+                <a14:hiddenFill xmlns:a14="http://schemas.microsoft.com/office/drawing/2010/main">
+                  <a:noFill/>
+                </a14:hiddenFill>
+              </a:ext>
+              <a:ext uri="{AF507438-7753-43E0-B8FC-AC1667EBCBE1}">
+                <a14:hiddenEffects xmlns:a14="http://schemas.microsoft.com/office/drawing/2010/main">
+                  <a:effectLst>
+                    <a:outerShdw dist="35921" dir="2700000" algn="ctr" rotWithShape="0">
+                      <a:schemeClr val="bg2"/>
+                    </a:outerShdw>
+                  </a:effectLst>
+                </a14:hiddenEffects>
+              </a:ext>
+            </a:extLst>
+          </p:spPr>
+          <p:txBody>
+            <a:bodyPr lIns="90000" tIns="46800" rIns="90000" bIns="46800">
+              <a:spAutoFit/>
+            </a:bodyPr>
+            <a:lstStyle/>
+            <a:p>
+              <a:pPr>
+                <a:buNone/>
+              </a:pPr>
+              <a:endParaRPr lang="ru-RU"/>
+            </a:p>
+          </p:txBody>
+        </p:sp>
+        <p:sp>
+          <p:nvSpPr>
+            <p:cNvPr id="14" name="Text Box 12"/>
+            <p:cNvSpPr txBox="1">
+              <a:spLocks noChangeArrowheads="1"/>
+            </p:cNvSpPr>
+            <p:nvPr/>
+          </p:nvSpPr>
+          <p:spPr bwMode="auto">
+            <a:xfrm>
+              <a:off x="-1209675" y="4371976"/>
+              <a:ext cx="1524000" cy="371513"/>
+            </a:xfrm>
+            <a:prstGeom prst="rect">
+              <a:avLst/>
+            </a:prstGeom>
+            <a:solidFill>
+              <a:srgbClr val="00B0F0"/>
+            </a:solidFill>
+            <a:ln w="38100">
+              <a:solidFill>
+                <a:schemeClr val="tx1"/>
+              </a:solidFill>
+              <a:miter lim="800000"/>
+              <a:headEnd/>
+              <a:tailEnd/>
+            </a:ln>
+            <a:effectLst/>
+            <a:extLst>
+              <a:ext uri="{AF507438-7753-43E0-B8FC-AC1667EBCBE1}">
+                <a14:hiddenEffects xmlns:a14="http://schemas.microsoft.com/office/drawing/2010/main">
+                  <a:effectLst>
+                    <a:outerShdw dist="35921" dir="2700000" algn="ctr" rotWithShape="0">
+                      <a:schemeClr val="bg2"/>
+                    </a:outerShdw>
+                  </a:effectLst>
+                </a14:hiddenEffects>
+              </a:ext>
+            </a:extLst>
+          </p:spPr>
+          <p:txBody>
+            <a:bodyPr lIns="90000" tIns="46800" rIns="90000" bIns="46800">
+              <a:spAutoFit/>
+            </a:bodyPr>
+            <a:lstStyle/>
+            <a:p>
+              <a:pPr>
+                <a:spcBef>
+                  <a:spcPct val="50000"/>
+                </a:spcBef>
+                <a:buNone/>
+              </a:pPr>
+              <a:r>
+                <a:rPr lang="en-US" altLang="ru-RU" sz="1800" dirty="0">
+                  <a:latin typeface="Arial" pitchFamily="34" charset="0"/>
+                </a:rPr>
+                <a:t>10</a:t>
+              </a:r>
+              <a:r>
+                <a:rPr lang="ru-RU" altLang="ru-RU" sz="1800" dirty="0">
+                  <a:latin typeface="Arial" pitchFamily="34" charset="0"/>
+                </a:rPr>
+                <a:t>0</a:t>
+              </a:r>
+              <a:r>
+                <a:rPr lang="en-US" altLang="ru-RU" sz="1800" dirty="0">
+                  <a:latin typeface="Arial" pitchFamily="34" charset="0"/>
+                </a:rPr>
+                <a:t>Base-TX</a:t>
+              </a:r>
+              <a:endParaRPr lang="ru-RU" altLang="ru-RU" sz="1800" dirty="0">
+                <a:latin typeface="Arial" pitchFamily="34" charset="0"/>
+              </a:endParaRPr>
+            </a:p>
+          </p:txBody>
+        </p:sp>
+        <p:sp>
+          <p:nvSpPr>
+            <p:cNvPr id="15" name="Text Box 13"/>
+            <p:cNvSpPr txBox="1">
+              <a:spLocks noChangeArrowheads="1"/>
+            </p:cNvSpPr>
+            <p:nvPr/>
+          </p:nvSpPr>
+          <p:spPr bwMode="auto">
+            <a:xfrm>
+              <a:off x="1000125" y="2795588"/>
+              <a:ext cx="2438400" cy="371513"/>
+            </a:xfrm>
+            <a:prstGeom prst="rect">
+              <a:avLst/>
+            </a:prstGeom>
+            <a:noFill/>
+            <a:ln>
+              <a:noFill/>
+            </a:ln>
+            <a:effectLst/>
+            <a:extLst>
+              <a:ext uri="{909E8E84-426E-40DD-AFC4-6F175D3DCCD1}">
+                <a14:hiddenFill xmlns:a14="http://schemas.microsoft.com/office/drawing/2010/main">
+                  <a:solidFill>
+                    <a:srgbClr val="FF0000"/>
+                  </a:solidFill>
+                </a14:hiddenFill>
+              </a:ext>
+              <a:ext uri="{91240B29-F687-4F45-9708-019B960494DF}">
+                <a14:hiddenLine xmlns:a14="http://schemas.microsoft.com/office/drawing/2010/main" w="38100">
+                  <a:solidFill>
+                    <a:schemeClr val="tx2"/>
+                  </a:solidFill>
+                  <a:miter lim="800000"/>
+                  <a:headEnd/>
+                  <a:tailEnd/>
+                </a14:hiddenLine>
+              </a:ext>
+              <a:ext uri="{AF507438-7753-43E0-B8FC-AC1667EBCBE1}">
+                <a14:hiddenEffects xmlns:a14="http://schemas.microsoft.com/office/drawing/2010/main">
+                  <a:effectLst>
+                    <a:outerShdw dist="35921" dir="2700000" algn="ctr" rotWithShape="0">
+                      <a:schemeClr val="bg2"/>
+                    </a:outerShdw>
+                  </a:effectLst>
+                </a14:hiddenEffects>
+              </a:ext>
+            </a:extLst>
+          </p:spPr>
+          <p:txBody>
+            <a:bodyPr lIns="90000" tIns="46800" rIns="90000" bIns="46800">
+              <a:spAutoFit/>
+            </a:bodyPr>
+            <a:lstStyle/>
+            <a:p>
+              <a:pPr>
+                <a:spcBef>
+                  <a:spcPct val="50000"/>
+                </a:spcBef>
+                <a:buNone/>
+              </a:pPr>
+              <a:r>
+                <a:rPr lang="en-US" altLang="ru-RU" sz="1800" b="1">
+                  <a:solidFill>
+                    <a:srgbClr val="800000"/>
+                  </a:solidFill>
+                </a:rPr>
+                <a:t>E t h e r n e t</a:t>
+              </a:r>
+              <a:endParaRPr lang="ru-RU" altLang="ru-RU" sz="1800" b="1">
+                <a:solidFill>
+                  <a:srgbClr val="800000"/>
+                </a:solidFill>
+              </a:endParaRPr>
+            </a:p>
+          </p:txBody>
+        </p:sp>
+        <p:sp>
+          <p:nvSpPr>
+            <p:cNvPr id="16" name="Text Box 14"/>
+            <p:cNvSpPr txBox="1">
+              <a:spLocks noChangeArrowheads="1"/>
+            </p:cNvSpPr>
+            <p:nvPr/>
+          </p:nvSpPr>
+          <p:spPr bwMode="auto">
+            <a:xfrm>
+              <a:off x="771525" y="3800476"/>
+              <a:ext cx="2438400" cy="371513"/>
+            </a:xfrm>
+            <a:prstGeom prst="rect">
+              <a:avLst/>
+            </a:prstGeom>
+            <a:noFill/>
+            <a:ln>
+              <a:noFill/>
+            </a:ln>
+            <a:effectLst/>
+            <a:extLst>
+              <a:ext uri="{909E8E84-426E-40DD-AFC4-6F175D3DCCD1}">
+                <a14:hiddenFill xmlns:a14="http://schemas.microsoft.com/office/drawing/2010/main">
+                  <a:solidFill>
+                    <a:srgbClr val="FF0000"/>
+                  </a:solidFill>
+                </a14:hiddenFill>
+              </a:ext>
+              <a:ext uri="{91240B29-F687-4F45-9708-019B960494DF}">
+                <a14:hiddenLine xmlns:a14="http://schemas.microsoft.com/office/drawing/2010/main" w="38100">
+                  <a:solidFill>
+                    <a:schemeClr val="tx2"/>
+                  </a:solidFill>
+                  <a:miter lim="800000"/>
+                  <a:headEnd/>
+                  <a:tailEnd/>
+                </a14:hiddenLine>
+              </a:ext>
+              <a:ext uri="{AF507438-7753-43E0-B8FC-AC1667EBCBE1}">
+                <a14:hiddenEffects xmlns:a14="http://schemas.microsoft.com/office/drawing/2010/main">
+                  <a:effectLst>
+                    <a:outerShdw dist="35921" dir="2700000" algn="ctr" rotWithShape="0">
+                      <a:schemeClr val="bg2"/>
+                    </a:outerShdw>
+                  </a:effectLst>
+                </a14:hiddenEffects>
+              </a:ext>
+            </a:extLst>
+          </p:spPr>
+          <p:txBody>
+            <a:bodyPr lIns="90000" tIns="46800" rIns="90000" bIns="46800">
+              <a:spAutoFit/>
+            </a:bodyPr>
+            <a:lstStyle/>
+            <a:p>
+              <a:pPr>
+                <a:spcBef>
+                  <a:spcPct val="50000"/>
+                </a:spcBef>
+                <a:buNone/>
+              </a:pPr>
+              <a:r>
+                <a:rPr lang="en-US" altLang="ru-RU" sz="1800" b="1">
+                  <a:solidFill>
+                    <a:srgbClr val="800000"/>
+                  </a:solidFill>
+                </a:rPr>
+                <a:t>F a s t      E t h e r n e t</a:t>
+              </a:r>
+              <a:endParaRPr lang="ru-RU" altLang="ru-RU" sz="1800" b="1">
+                <a:solidFill>
+                  <a:srgbClr val="800000"/>
+                </a:solidFill>
+              </a:endParaRPr>
+            </a:p>
+          </p:txBody>
+        </p:sp>
+        <p:sp>
+          <p:nvSpPr>
+            <p:cNvPr id="17" name="Text Box 15"/>
+            <p:cNvSpPr txBox="1">
+              <a:spLocks noChangeArrowheads="1"/>
+            </p:cNvSpPr>
+            <p:nvPr/>
+          </p:nvSpPr>
+          <p:spPr bwMode="auto">
+            <a:xfrm>
+              <a:off x="619125" y="4371976"/>
+              <a:ext cx="1524000" cy="371513"/>
+            </a:xfrm>
+            <a:prstGeom prst="rect">
+              <a:avLst/>
+            </a:prstGeom>
+            <a:solidFill>
+              <a:schemeClr val="tx2">
+                <a:lumMod val="40000"/>
+                <a:lumOff val="60000"/>
+              </a:schemeClr>
+            </a:solidFill>
+            <a:ln w="38100">
+              <a:solidFill>
+                <a:schemeClr val="tx1"/>
+              </a:solidFill>
+              <a:miter lim="800000"/>
+              <a:headEnd/>
+              <a:tailEnd/>
+            </a:ln>
+            <a:effectLst/>
+            <a:extLst>
+              <a:ext uri="{AF507438-7753-43E0-B8FC-AC1667EBCBE1}">
+                <a14:hiddenEffects xmlns:a14="http://schemas.microsoft.com/office/drawing/2010/main">
+                  <a:effectLst>
+                    <a:outerShdw dist="35921" dir="2700000" algn="ctr" rotWithShape="0">
+                      <a:schemeClr val="bg2"/>
+                    </a:outerShdw>
+                  </a:effectLst>
+                </a14:hiddenEffects>
+              </a:ext>
+            </a:extLst>
+          </p:spPr>
+          <p:txBody>
+            <a:bodyPr lIns="90000" tIns="46800" rIns="90000" bIns="46800">
+              <a:spAutoFit/>
+            </a:bodyPr>
+            <a:lstStyle/>
+            <a:p>
+              <a:pPr>
+                <a:spcBef>
+                  <a:spcPct val="50000"/>
+                </a:spcBef>
+                <a:buNone/>
+              </a:pPr>
+              <a:r>
+                <a:rPr lang="en-US" altLang="ru-RU" sz="1800" dirty="0">
+                  <a:latin typeface="Arial" pitchFamily="34" charset="0"/>
+                </a:rPr>
+                <a:t>10</a:t>
+              </a:r>
+              <a:r>
+                <a:rPr lang="ru-RU" altLang="ru-RU" sz="1800" dirty="0">
+                  <a:latin typeface="Arial" pitchFamily="34" charset="0"/>
+                </a:rPr>
+                <a:t>0</a:t>
+              </a:r>
+              <a:r>
+                <a:rPr lang="en-US" altLang="ru-RU" sz="1800" dirty="0">
+                  <a:latin typeface="Arial" pitchFamily="34" charset="0"/>
+                </a:rPr>
+                <a:t>Base-T4</a:t>
+              </a:r>
+              <a:endParaRPr lang="ru-RU" altLang="ru-RU" sz="1800" dirty="0">
+                <a:latin typeface="Arial" pitchFamily="34" charset="0"/>
+              </a:endParaRPr>
+            </a:p>
+          </p:txBody>
+        </p:sp>
+        <p:sp>
+          <p:nvSpPr>
+            <p:cNvPr id="18" name="Text Box 16"/>
+            <p:cNvSpPr txBox="1">
+              <a:spLocks noChangeArrowheads="1"/>
+            </p:cNvSpPr>
+            <p:nvPr/>
+          </p:nvSpPr>
+          <p:spPr bwMode="auto">
+            <a:xfrm>
+              <a:off x="2676525" y="4352926"/>
+              <a:ext cx="1524000" cy="371513"/>
+            </a:xfrm>
+            <a:prstGeom prst="rect">
+              <a:avLst/>
+            </a:prstGeom>
+            <a:solidFill>
+              <a:srgbClr val="92D050"/>
+            </a:solidFill>
+            <a:ln w="38100">
+              <a:solidFill>
+                <a:schemeClr val="tx1"/>
+              </a:solidFill>
+              <a:miter lim="800000"/>
+              <a:headEnd/>
+              <a:tailEnd/>
+            </a:ln>
+            <a:effectLst/>
+            <a:extLst>
+              <a:ext uri="{AF507438-7753-43E0-B8FC-AC1667EBCBE1}">
+                <a14:hiddenEffects xmlns:a14="http://schemas.microsoft.com/office/drawing/2010/main">
+                  <a:effectLst>
+                    <a:outerShdw dist="35921" dir="2700000" algn="ctr" rotWithShape="0">
+                      <a:schemeClr val="bg2"/>
+                    </a:outerShdw>
+                  </a:effectLst>
+                </a14:hiddenEffects>
+              </a:ext>
+            </a:extLst>
+          </p:spPr>
+          <p:txBody>
+            <a:bodyPr lIns="90000" tIns="46800" rIns="90000" bIns="46800">
+              <a:spAutoFit/>
+            </a:bodyPr>
+            <a:lstStyle/>
+            <a:p>
+              <a:pPr>
+                <a:spcBef>
+                  <a:spcPct val="50000"/>
+                </a:spcBef>
+                <a:buNone/>
+              </a:pPr>
+              <a:r>
+                <a:rPr lang="en-US" altLang="ru-RU" sz="1800" dirty="0">
+                  <a:latin typeface="Arial" pitchFamily="34" charset="0"/>
+                </a:rPr>
+                <a:t>10</a:t>
+              </a:r>
+              <a:r>
+                <a:rPr lang="ru-RU" altLang="ru-RU" sz="1800" dirty="0">
+                  <a:latin typeface="Arial" pitchFamily="34" charset="0"/>
+                </a:rPr>
+                <a:t>0</a:t>
+              </a:r>
+              <a:r>
+                <a:rPr lang="en-US" altLang="ru-RU" sz="1800" dirty="0">
+                  <a:latin typeface="Arial" pitchFamily="34" charset="0"/>
+                </a:rPr>
+                <a:t>Base-FX</a:t>
+              </a:r>
+              <a:endParaRPr lang="ru-RU" altLang="ru-RU" sz="1800" dirty="0">
+                <a:latin typeface="Arial" pitchFamily="34" charset="0"/>
+              </a:endParaRPr>
+            </a:p>
+          </p:txBody>
+        </p:sp>
+        <p:sp>
+          <p:nvSpPr>
+            <p:cNvPr id="20" name="Text Box 17"/>
+            <p:cNvSpPr txBox="1">
+              <a:spLocks noChangeArrowheads="1"/>
+            </p:cNvSpPr>
+            <p:nvPr/>
+          </p:nvSpPr>
+          <p:spPr bwMode="auto">
+            <a:xfrm>
+              <a:off x="-1514475" y="5514976"/>
+              <a:ext cx="1752600" cy="371513"/>
+            </a:xfrm>
+            <a:prstGeom prst="rect">
+              <a:avLst/>
+            </a:prstGeom>
+            <a:solidFill>
+              <a:srgbClr val="92D050"/>
+            </a:solidFill>
+            <a:ln w="38100">
+              <a:solidFill>
+                <a:schemeClr val="tx1"/>
+              </a:solidFill>
+              <a:miter lim="800000"/>
+              <a:headEnd/>
+              <a:tailEnd/>
+            </a:ln>
+            <a:effectLst/>
+            <a:extLst>
+              <a:ext uri="{AF507438-7753-43E0-B8FC-AC1667EBCBE1}">
+                <a14:hiddenEffects xmlns:a14="http://schemas.microsoft.com/office/drawing/2010/main">
+                  <a:effectLst>
+                    <a:outerShdw dist="35921" dir="2700000" algn="ctr" rotWithShape="0">
+                      <a:schemeClr val="bg2"/>
+                    </a:outerShdw>
+                  </a:effectLst>
+                </a14:hiddenEffects>
+              </a:ext>
+            </a:extLst>
+          </p:spPr>
+          <p:txBody>
+            <a:bodyPr lIns="90000" tIns="46800" rIns="90000" bIns="46800">
+              <a:spAutoFit/>
+            </a:bodyPr>
+            <a:lstStyle/>
+            <a:p>
+              <a:pPr>
+                <a:spcBef>
+                  <a:spcPct val="50000"/>
+                </a:spcBef>
+                <a:buNone/>
+              </a:pPr>
+              <a:r>
+                <a:rPr lang="en-US" altLang="ru-RU" sz="1800" dirty="0">
+                  <a:latin typeface="Arial" pitchFamily="34" charset="0"/>
+                </a:rPr>
+                <a:t>10</a:t>
+              </a:r>
+              <a:r>
+                <a:rPr lang="ru-RU" altLang="ru-RU" sz="1800" dirty="0">
+                  <a:latin typeface="Arial" pitchFamily="34" charset="0"/>
+                </a:rPr>
+                <a:t>0</a:t>
+              </a:r>
+              <a:r>
+                <a:rPr lang="en-US" altLang="ru-RU" sz="1800" dirty="0">
+                  <a:latin typeface="Arial" pitchFamily="34" charset="0"/>
+                </a:rPr>
+                <a:t>0Base-SX</a:t>
+              </a:r>
+              <a:endParaRPr lang="ru-RU" altLang="ru-RU" sz="1800" dirty="0">
+                <a:latin typeface="Arial" pitchFamily="34" charset="0"/>
+              </a:endParaRPr>
+            </a:p>
+          </p:txBody>
+        </p:sp>
+        <p:sp>
+          <p:nvSpPr>
+            <p:cNvPr id="21" name="Text Box 18"/>
+            <p:cNvSpPr txBox="1">
+              <a:spLocks noChangeArrowheads="1"/>
+            </p:cNvSpPr>
+            <p:nvPr/>
+          </p:nvSpPr>
+          <p:spPr bwMode="auto">
+            <a:xfrm>
+              <a:off x="847725" y="5538788"/>
+              <a:ext cx="1752600" cy="371513"/>
+            </a:xfrm>
+            <a:prstGeom prst="rect">
+              <a:avLst/>
+            </a:prstGeom>
+            <a:solidFill>
+              <a:srgbClr val="92D050"/>
+            </a:solidFill>
+            <a:ln w="38100">
+              <a:solidFill>
+                <a:schemeClr val="tx1"/>
+              </a:solidFill>
+              <a:miter lim="800000"/>
+              <a:headEnd/>
+              <a:tailEnd/>
+            </a:ln>
+            <a:effectLst/>
+            <a:extLst>
+              <a:ext uri="{AF507438-7753-43E0-B8FC-AC1667EBCBE1}">
+                <a14:hiddenEffects xmlns:a14="http://schemas.microsoft.com/office/drawing/2010/main">
+                  <a:effectLst>
+                    <a:outerShdw dist="35921" dir="2700000" algn="ctr" rotWithShape="0">
+                      <a:schemeClr val="bg2"/>
+                    </a:outerShdw>
+                  </a:effectLst>
+                </a14:hiddenEffects>
+              </a:ext>
+            </a:extLst>
+          </p:spPr>
+          <p:txBody>
+            <a:bodyPr lIns="90000" tIns="46800" rIns="90000" bIns="46800">
+              <a:spAutoFit/>
+            </a:bodyPr>
+            <a:lstStyle/>
+            <a:p>
+              <a:pPr>
+                <a:spcBef>
+                  <a:spcPct val="50000"/>
+                </a:spcBef>
+                <a:buNone/>
+              </a:pPr>
+              <a:r>
+                <a:rPr lang="en-US" altLang="ru-RU" sz="1800" dirty="0">
+                  <a:latin typeface="Arial" pitchFamily="34" charset="0"/>
+                </a:rPr>
+                <a:t>10</a:t>
+              </a:r>
+              <a:r>
+                <a:rPr lang="ru-RU" altLang="ru-RU" sz="1800" dirty="0">
+                  <a:latin typeface="Arial" pitchFamily="34" charset="0"/>
+                </a:rPr>
+                <a:t>0</a:t>
+              </a:r>
+              <a:r>
+                <a:rPr lang="en-US" altLang="ru-RU" sz="1800" dirty="0">
+                  <a:latin typeface="Arial" pitchFamily="34" charset="0"/>
+                </a:rPr>
+                <a:t>0Base-LX</a:t>
+              </a:r>
+              <a:endParaRPr lang="ru-RU" altLang="ru-RU" sz="1800" dirty="0">
+                <a:latin typeface="Arial" pitchFamily="34" charset="0"/>
+              </a:endParaRPr>
+            </a:p>
+          </p:txBody>
+        </p:sp>
+        <p:sp>
+          <p:nvSpPr>
+            <p:cNvPr id="22" name="Text Box 19"/>
+            <p:cNvSpPr txBox="1">
+              <a:spLocks noChangeArrowheads="1"/>
+            </p:cNvSpPr>
+            <p:nvPr/>
+          </p:nvSpPr>
+          <p:spPr bwMode="auto">
+            <a:xfrm>
+              <a:off x="3057525" y="5538788"/>
+              <a:ext cx="1752600" cy="371513"/>
+            </a:xfrm>
+            <a:prstGeom prst="rect">
+              <a:avLst/>
+            </a:prstGeom>
+            <a:solidFill>
+              <a:srgbClr val="00B0F0"/>
+            </a:solidFill>
+            <a:ln w="38100">
+              <a:solidFill>
+                <a:schemeClr val="tx1"/>
+              </a:solidFill>
+              <a:miter lim="800000"/>
+              <a:headEnd/>
+              <a:tailEnd/>
+            </a:ln>
+            <a:effectLst/>
+            <a:extLst>
+              <a:ext uri="{AF507438-7753-43E0-B8FC-AC1667EBCBE1}">
+                <a14:hiddenEffects xmlns:a14="http://schemas.microsoft.com/office/drawing/2010/main">
+                  <a:effectLst>
+                    <a:outerShdw dist="35921" dir="2700000" algn="ctr" rotWithShape="0">
+                      <a:schemeClr val="bg2"/>
+                    </a:outerShdw>
+                  </a:effectLst>
+                </a14:hiddenEffects>
+              </a:ext>
+            </a:extLst>
+          </p:spPr>
+          <p:txBody>
+            <a:bodyPr lIns="90000" tIns="46800" rIns="90000" bIns="46800">
+              <a:spAutoFit/>
+            </a:bodyPr>
+            <a:lstStyle/>
+            <a:p>
+              <a:pPr>
+                <a:spcBef>
+                  <a:spcPct val="50000"/>
+                </a:spcBef>
+                <a:buNone/>
+              </a:pPr>
+              <a:r>
+                <a:rPr lang="en-US" altLang="ru-RU" sz="1800" dirty="0">
+                  <a:latin typeface="Arial" pitchFamily="34" charset="0"/>
+                </a:rPr>
+                <a:t>10</a:t>
+              </a:r>
+              <a:r>
+                <a:rPr lang="ru-RU" altLang="ru-RU" sz="1800" dirty="0">
+                  <a:latin typeface="Arial" pitchFamily="34" charset="0"/>
+                </a:rPr>
+                <a:t>0</a:t>
+              </a:r>
+              <a:r>
+                <a:rPr lang="en-US" altLang="ru-RU" sz="1800" dirty="0">
+                  <a:latin typeface="Arial" pitchFamily="34" charset="0"/>
+                </a:rPr>
+                <a:t>0Base-TX</a:t>
+              </a:r>
+              <a:endParaRPr lang="ru-RU" altLang="ru-RU" sz="1800" dirty="0">
+                <a:latin typeface="Arial" pitchFamily="34" charset="0"/>
+              </a:endParaRPr>
+            </a:p>
+          </p:txBody>
+        </p:sp>
+        <p:sp>
+          <p:nvSpPr>
+            <p:cNvPr id="23" name="Text Box 20"/>
+            <p:cNvSpPr txBox="1">
+              <a:spLocks noChangeArrowheads="1"/>
+            </p:cNvSpPr>
+            <p:nvPr/>
+          </p:nvSpPr>
+          <p:spPr bwMode="auto">
+            <a:xfrm>
+              <a:off x="619125" y="4929188"/>
+              <a:ext cx="3048000" cy="371513"/>
+            </a:xfrm>
+            <a:prstGeom prst="rect">
+              <a:avLst/>
+            </a:prstGeom>
+            <a:noFill/>
+            <a:ln>
+              <a:noFill/>
+            </a:ln>
+            <a:effectLst/>
+            <a:extLst>
+              <a:ext uri="{909E8E84-426E-40DD-AFC4-6F175D3DCCD1}">
+                <a14:hiddenFill xmlns:a14="http://schemas.microsoft.com/office/drawing/2010/main">
+                  <a:solidFill>
+                    <a:srgbClr val="FF0000"/>
+                  </a:solidFill>
+                </a14:hiddenFill>
+              </a:ext>
+              <a:ext uri="{91240B29-F687-4F45-9708-019B960494DF}">
+                <a14:hiddenLine xmlns:a14="http://schemas.microsoft.com/office/drawing/2010/main" w="38100">
+                  <a:solidFill>
+                    <a:schemeClr val="tx2"/>
+                  </a:solidFill>
+                  <a:miter lim="800000"/>
+                  <a:headEnd/>
+                  <a:tailEnd/>
+                </a14:hiddenLine>
+              </a:ext>
+              <a:ext uri="{AF507438-7753-43E0-B8FC-AC1667EBCBE1}">
+                <a14:hiddenEffects xmlns:a14="http://schemas.microsoft.com/office/drawing/2010/main">
+                  <a:effectLst>
+                    <a:outerShdw dist="35921" dir="2700000" algn="ctr" rotWithShape="0">
+                      <a:schemeClr val="bg2"/>
+                    </a:outerShdw>
+                  </a:effectLst>
+                </a14:hiddenEffects>
+              </a:ext>
+            </a:extLst>
+          </p:spPr>
+          <p:txBody>
+            <a:bodyPr lIns="90000" tIns="46800" rIns="90000" bIns="46800">
+              <a:spAutoFit/>
+            </a:bodyPr>
+            <a:lstStyle/>
+            <a:p>
+              <a:pPr>
+                <a:spcBef>
+                  <a:spcPct val="50000"/>
+                </a:spcBef>
+                <a:buNone/>
+              </a:pPr>
+              <a:r>
+                <a:rPr lang="en-US" altLang="ru-RU" sz="1800" b="1">
+                  <a:solidFill>
+                    <a:srgbClr val="800000"/>
+                  </a:solidFill>
+                </a:rPr>
+                <a:t>G i g a b i t     E t h e r n e t</a:t>
+              </a:r>
+              <a:endParaRPr lang="ru-RU" altLang="ru-RU" sz="1800" b="1">
+                <a:solidFill>
+                  <a:srgbClr val="800000"/>
+                </a:solidFill>
+              </a:endParaRPr>
+            </a:p>
+          </p:txBody>
+        </p:sp>
+      </p:grpSp>
+    </p:spTree>
+    <p:extLst>
+      <p:ext uri="{BB962C8B-B14F-4D97-AF65-F5344CB8AC3E}">
+        <p14:creationId xmlns:p14="http://schemas.microsoft.com/office/powerpoint/2010/main" val="3613169455"/>
       </p:ext>
     </p:extLst>
   </p:cSld>
@@ -28832,7 +33339,7 @@
           <a:graphicData uri="http://schemas.openxmlformats.org/presentationml/2006/ole">
             <mc:AlternateContent xmlns:mc="http://schemas.openxmlformats.org/markup-compatibility/2006">
               <mc:Choice xmlns:v="urn:schemas-microsoft-com:vml" Requires="v">
-                <p:oleObj spid="_x0000_s158752" name="CorelDRAW" r:id="rId6" imgW="2811475" imgH="1781861" progId="CorelDRAW.Graphic.11">
+                <p:oleObj spid="_x0000_s158780" name="CorelDRAW" r:id="rId6" imgW="2811475" imgH="1781861" progId="CorelDRAW.Graphic.11">
                   <p:embed/>
                 </p:oleObj>
               </mc:Choice>
@@ -30760,7 +35267,7 @@
           <a:graphicData uri="http://schemas.openxmlformats.org/presentationml/2006/ole">
             <mc:AlternateContent xmlns:mc="http://schemas.openxmlformats.org/markup-compatibility/2006">
               <mc:Choice xmlns:v="urn:schemas-microsoft-com:vml" Requires="v">
-                <p:oleObj spid="_x0000_s159765" name="CorelDRAW" r:id="rId5" imgW="2612746" imgH="1310945" progId="CorelDRAW.Graphic.11">
+                <p:oleObj spid="_x0000_s159793" name="CorelDRAW" r:id="rId5" imgW="2612746" imgH="1310945" progId="CorelDRAW.Graphic.11">
                   <p:embed/>
                 </p:oleObj>
               </mc:Choice>
